--- a/docs/Approach to Analyzing Founder Ownership in PropTech Companies.pptx
+++ b/docs/Approach to Analyzing Founder Ownership in PropTech Companies.pptx
@@ -4163,7 +4163,7 @@
       </dgm:t>
     </dgm:pt>
     <dgm:pt modelId="{0A3CC582-B17D-4723-9BD2-D19C3A7A441D}">
-      <dgm:prSet/>
+      <dgm:prSet custT="1"/>
       <dgm:spPr/>
       <dgm:t>
         <a:bodyPr/>
@@ -4173,14 +4173,22 @@
             <a:defRPr b="1"/>
           </a:pPr>
           <a:r>
-            <a:rPr lang="en-US" b="1" i="0" baseline="0"/>
+            <a:rPr lang="en-US" sz="1800" b="1" i="0" baseline="0" dirty="0"/>
             <a:t>Starting Point</a:t>
           </a:r>
           <a:r>
-            <a:rPr lang="en-US" b="0" i="0" baseline="0"/>
-            <a:t>: Excel file listing PropTech companies.</a:t>
+            <a:rPr lang="en-US" sz="1800" b="0" i="0" baseline="0" dirty="0"/>
+            <a:t>: Excel file listing </a:t>
           </a:r>
-          <a:endParaRPr lang="en-US"/>
+          <a:r>
+            <a:rPr lang="en-US" sz="1800" b="0" i="0" baseline="0" dirty="0" err="1"/>
+            <a:t>PropTech</a:t>
+          </a:r>
+          <a:r>
+            <a:rPr lang="en-US" sz="1800" b="0" i="0" baseline="0" dirty="0"/>
+            <a:t> companies.</a:t>
+          </a:r>
+          <a:endParaRPr lang="en-US" sz="1800" dirty="0"/>
         </a:p>
       </dgm:t>
     </dgm:pt>
@@ -4207,7 +4215,7 @@
       </dgm:t>
     </dgm:pt>
     <dgm:pt modelId="{18262F69-0C36-4898-A7F8-2041DD9CA6D6}">
-      <dgm:prSet/>
+      <dgm:prSet custT="1"/>
       <dgm:spPr/>
       <dgm:t>
         <a:bodyPr/>
@@ -4217,14 +4225,14 @@
             <a:defRPr b="1"/>
           </a:pPr>
           <a:r>
-            <a:rPr lang="en-US" b="1" i="0" baseline="0"/>
+            <a:rPr lang="en-US" sz="1800" b="1" i="0" baseline="0" dirty="0"/>
             <a:t>Public Information Gathered From</a:t>
           </a:r>
           <a:r>
-            <a:rPr lang="en-US" b="0" i="0" baseline="0"/>
+            <a:rPr lang="en-US" sz="1800" b="0" i="0" baseline="0" dirty="0"/>
             <a:t>:</a:t>
           </a:r>
-          <a:endParaRPr lang="en-US"/>
+          <a:endParaRPr lang="en-US" sz="1800" dirty="0"/>
         </a:p>
       </dgm:t>
     </dgm:pt>
@@ -4295,10 +4303,10 @@
         <a:lstStyle/>
         <a:p>
           <a:r>
-            <a:rPr lang="en-US" b="0" i="0" baseline="0"/>
+            <a:rPr lang="en-US" b="0" i="0" baseline="0" dirty="0"/>
             <a:t>Press releases</a:t>
           </a:r>
-          <a:endParaRPr lang="en-US"/>
+          <a:endParaRPr lang="en-US" dirty="0"/>
         </a:p>
       </dgm:t>
     </dgm:pt>
@@ -4399,7 +4407,7 @@
       </dgm:t>
     </dgm:pt>
     <dgm:pt modelId="{5647F292-A4C3-404E-AC30-5C9BC3B9DDAC}">
-      <dgm:prSet/>
+      <dgm:prSet custT="1"/>
       <dgm:spPr/>
       <dgm:t>
         <a:bodyPr/>
@@ -4409,14 +4417,18 @@
             <a:defRPr b="1"/>
           </a:pPr>
           <a:r>
-            <a:rPr lang="en-US" b="1" i="0" baseline="0"/>
+            <a:rPr lang="en-US" sz="1800" b="1" i="0" baseline="0" dirty="0"/>
             <a:t>AI Role</a:t>
           </a:r>
           <a:r>
-            <a:rPr lang="en-US" b="0" i="0" baseline="0"/>
-            <a:t>: Automates the collection and summarization of this information.</a:t>
+            <a:rPr lang="en-US" sz="1800" b="0" i="0" baseline="0" dirty="0"/>
+            <a:t>: Automates the collection and summarization of this information</a:t>
           </a:r>
-          <a:endParaRPr lang="en-US"/>
+          <a:r>
+            <a:rPr lang="en-US" sz="1400" b="0" i="0" baseline="0" dirty="0"/>
+            <a:t>.</a:t>
+          </a:r>
+          <a:endParaRPr lang="en-US" sz="1400" dirty="0"/>
         </a:p>
       </dgm:t>
     </dgm:pt>
@@ -5216,7 +5228,7 @@
       </dgm:t>
     </dgm:pt>
     <dgm:pt modelId="{45AAF33E-EE76-4B54-96CA-C964AA341E4E}">
-      <dgm:prSet/>
+      <dgm:prSet custT="1"/>
       <dgm:spPr/>
       <dgm:t>
         <a:bodyPr/>
@@ -5228,10 +5240,10 @@
             </a:lnSpc>
           </a:pPr>
           <a:r>
-            <a:rPr lang="en-US" b="0" i="0" baseline="0"/>
+            <a:rPr lang="en-US" sz="1400" b="0" i="0" baseline="0"/>
             <a:t>Extend analysis to additional PropTech sectors or geographies.</a:t>
           </a:r>
-          <a:endParaRPr lang="en-US"/>
+          <a:endParaRPr lang="en-US" sz="1400" dirty="0"/>
         </a:p>
       </dgm:t>
     </dgm:pt>
@@ -5263,7 +5275,7 @@
       </dgm:t>
     </dgm:pt>
     <dgm:pt modelId="{D24F6A42-0786-4801-99AB-7C4A9A036DC6}">
-      <dgm:prSet/>
+      <dgm:prSet custT="1"/>
       <dgm:spPr/>
       <dgm:t>
         <a:bodyPr/>
@@ -5275,10 +5287,10 @@
             </a:lnSpc>
           </a:pPr>
           <a:r>
-            <a:rPr lang="en-US" b="0" i="0" baseline="0"/>
+            <a:rPr lang="en-US" sz="1400" b="0" i="0" baseline="0"/>
             <a:t>Combine with financial performance metrics for deeper evaluation.</a:t>
           </a:r>
-          <a:endParaRPr lang="en-US"/>
+          <a:endParaRPr lang="en-US" sz="1400" dirty="0"/>
         </a:p>
       </dgm:t>
     </dgm:pt>
@@ -5310,7 +5322,7 @@
       </dgm:t>
     </dgm:pt>
     <dgm:pt modelId="{494F6013-25A4-4EC8-A4AB-BF477C0A2F62}">
-      <dgm:prSet/>
+      <dgm:prSet custT="1"/>
       <dgm:spPr/>
       <dgm:t>
         <a:bodyPr/>
@@ -5322,18 +5334,18 @@
             </a:lnSpc>
           </a:pPr>
           <a:r>
-            <a:rPr lang="en-US" b="0" i="0" baseline="0"/>
+            <a:rPr lang="en-US" sz="1400" b="0" i="0" baseline="0"/>
             <a:t>Use framework as a </a:t>
           </a:r>
           <a:r>
-            <a:rPr lang="en-US" b="1" i="0" baseline="0"/>
+            <a:rPr lang="en-US" sz="1400" b="1" i="0" baseline="0"/>
             <a:t>repeatable due diligence tool</a:t>
           </a:r>
           <a:r>
-            <a:rPr lang="en-US" b="0" i="0" baseline="0"/>
+            <a:rPr lang="en-US" sz="1400" b="0" i="0" baseline="0"/>
             <a:t> for future acquisitions.</a:t>
           </a:r>
-          <a:endParaRPr lang="en-US"/>
+          <a:endParaRPr lang="en-US" sz="1400" dirty="0"/>
         </a:p>
       </dgm:t>
     </dgm:pt>
@@ -5365,7 +5377,7 @@
       </dgm:t>
     </dgm:pt>
     <dgm:pt modelId="{4F268D36-8498-4B23-B761-6D22E332DD6A}">
-      <dgm:prSet/>
+      <dgm:prSet custT="1"/>
       <dgm:spPr/>
       <dgm:t>
         <a:bodyPr/>
@@ -5376,11 +5388,61 @@
               <a:spcPct val="100000"/>
             </a:lnSpc>
           </a:pPr>
+          <a:endParaRPr lang="en-US" sz="1400" b="1" dirty="0"/>
+        </a:p>
+        <a:p>
+          <a:pPr>
+            <a:lnSpc>
+              <a:spcPct val="100000"/>
+            </a:lnSpc>
+          </a:pPr>
           <a:r>
-            <a:rPr lang="en-US" b="0" i="0" baseline="0"/>
-            <a:t>Share findings with deal teams to accelerate decision-making.</a:t>
+            <a:rPr lang="en-US" sz="1400" b="1" dirty="0"/>
+            <a:t>Leverage stored URLs to build scripts that:</a:t>
           </a:r>
-          <a:endParaRPr lang="en-US"/>
+        </a:p>
+        <a:p>
+          <a:pPr>
+            <a:lnSpc>
+              <a:spcPct val="100000"/>
+            </a:lnSpc>
+          </a:pPr>
+          <a:r>
+            <a:rPr lang="en-US" sz="1400" b="1" dirty="0"/>
+            <a:t>- Extract highly specific details from trusted sources.</a:t>
+          </a:r>
+        </a:p>
+        <a:p>
+          <a:pPr>
+            <a:lnSpc>
+              <a:spcPct val="100000"/>
+            </a:lnSpc>
+          </a:pPr>
+          <a:r>
+            <a:rPr lang="en-US" sz="1400" b="1" dirty="0"/>
+            <a:t>- Focus on companies where public info is scarce.</a:t>
+          </a:r>
+        </a:p>
+        <a:p>
+          <a:pPr>
+            <a:lnSpc>
+              <a:spcPct val="100000"/>
+            </a:lnSpc>
+          </a:pPr>
+          <a:r>
+            <a:rPr lang="en-US" sz="1400" b="1" dirty="0"/>
+            <a:t>- Generate richer insights into ownership, governance, and investor influence.</a:t>
+          </a:r>
+        </a:p>
+        <a:p>
+          <a:pPr>
+            <a:lnSpc>
+              <a:spcPct val="100000"/>
+            </a:lnSpc>
+            <a:buFont typeface="+mj-lt"/>
+            <a:buAutoNum type="arabicPeriod"/>
+          </a:pPr>
+          <a:endParaRPr lang="en-US" sz="1400" dirty="0"/>
         </a:p>
       </dgm:t>
     </dgm:pt>
@@ -5635,41 +5697,41 @@
   </dgm:ptLst>
   <dgm:cxnLst>
     <dgm:cxn modelId="{29AE6E02-E636-4757-A000-BA401DABA2BB}" srcId="{42562F80-44F4-4C39-B980-B44E33A539E0}" destId="{4F268D36-8498-4B23-B761-6D22E332DD6A}" srcOrd="3" destOrd="0" parTransId="{8AA0AD33-039C-45CC-AF07-E4B2EED89E5F}" sibTransId="{DE3906E4-BAB1-434C-8C96-0EDE66E168C8}"/>
-    <dgm:cxn modelId="{86268518-056B-4FA9-A3B5-EC78FA26FA57}" type="presOf" srcId="{42562F80-44F4-4C39-B980-B44E33A539E0}" destId="{5007740E-B81D-49B6-AFF5-A26B3B88E5A9}" srcOrd="0" destOrd="0" presId="urn:microsoft.com/office/officeart/2018/2/layout/IconCircleList"/>
+    <dgm:cxn modelId="{9E1DE129-6912-4E0F-86DA-A9AECE25D497}" type="presOf" srcId="{B7BFC717-34E8-4C27-858B-83A6E0BEA84A}" destId="{92F02A72-6183-45FA-887C-CCEAF205347A}" srcOrd="0" destOrd="0" presId="urn:microsoft.com/office/officeart/2018/2/layout/IconCircleList"/>
+    <dgm:cxn modelId="{F4D8D039-235E-4938-A8A8-E1268ED5961A}" type="presOf" srcId="{42562F80-44F4-4C39-B980-B44E33A539E0}" destId="{5007740E-B81D-49B6-AFF5-A26B3B88E5A9}" srcOrd="0" destOrd="0" presId="urn:microsoft.com/office/officeart/2018/2/layout/IconCircleList"/>
     <dgm:cxn modelId="{47FD0C5B-7349-49BB-AA61-04558CBA14EE}" srcId="{42562F80-44F4-4C39-B980-B44E33A539E0}" destId="{45AAF33E-EE76-4B54-96CA-C964AA341E4E}" srcOrd="0" destOrd="0" parTransId="{966129FF-2BED-4831-8A43-672985DE7AEC}" sibTransId="{B7BFC717-34E8-4C27-858B-83A6E0BEA84A}"/>
-    <dgm:cxn modelId="{2B55C552-D7A6-4FD9-97A9-B32A2DF64BD6}" type="presOf" srcId="{8BEB3D3E-F8DB-4F9C-9B05-78ADD7105D08}" destId="{CA682031-4843-4D5E-9E05-3AF734D29059}" srcOrd="0" destOrd="0" presId="urn:microsoft.com/office/officeart/2018/2/layout/IconCircleList"/>
+    <dgm:cxn modelId="{596C185B-AE3F-4FB1-9C0A-FB3B5D3851D6}" type="presOf" srcId="{D24F6A42-0786-4801-99AB-7C4A9A036DC6}" destId="{51FEBBA8-8A9B-4295-9C7A-F792090EC015}" srcOrd="0" destOrd="0" presId="urn:microsoft.com/office/officeart/2018/2/layout/IconCircleList"/>
+    <dgm:cxn modelId="{77C8A268-142B-4FF4-BF33-906ECDE3C605}" type="presOf" srcId="{4F268D36-8498-4B23-B761-6D22E332DD6A}" destId="{683F9118-F316-4FE0-ADF4-A3BAC11306EF}" srcOrd="0" destOrd="0" presId="urn:microsoft.com/office/officeart/2018/2/layout/IconCircleList"/>
+    <dgm:cxn modelId="{4ECDC458-437D-4154-A65B-86B12F4BDDB0}" type="presOf" srcId="{45AAF33E-EE76-4B54-96CA-C964AA341E4E}" destId="{94B6A7BD-5CDB-4051-BC30-554F9E4E5158}" srcOrd="0" destOrd="0" presId="urn:microsoft.com/office/officeart/2018/2/layout/IconCircleList"/>
+    <dgm:cxn modelId="{48989B7E-B1F1-4D32-B0DD-7099ABD34AAD}" type="presOf" srcId="{8BEB3D3E-F8DB-4F9C-9B05-78ADD7105D08}" destId="{CA682031-4843-4D5E-9E05-3AF734D29059}" srcOrd="0" destOrd="0" presId="urn:microsoft.com/office/officeart/2018/2/layout/IconCircleList"/>
     <dgm:cxn modelId="{9EABF687-C5EB-4D29-85BD-0149D7F6C3C1}" srcId="{42562F80-44F4-4C39-B980-B44E33A539E0}" destId="{494F6013-25A4-4EC8-A4AB-BF477C0A2F62}" srcOrd="2" destOrd="0" parTransId="{F717B4D7-E805-4030-B0E6-7ADEF593C6FA}" sibTransId="{8BEB3D3E-F8DB-4F9C-9B05-78ADD7105D08}"/>
-    <dgm:cxn modelId="{F231EF9A-2A1A-4CCE-9F05-C9D8CE722A3E}" type="presOf" srcId="{45AAF33E-EE76-4B54-96CA-C964AA341E4E}" destId="{94B6A7BD-5CDB-4051-BC30-554F9E4E5158}" srcOrd="0" destOrd="0" presId="urn:microsoft.com/office/officeart/2018/2/layout/IconCircleList"/>
-    <dgm:cxn modelId="{7D6A659C-8B69-4AAD-A9C2-8C0D42F1518C}" type="presOf" srcId="{D24F6A42-0786-4801-99AB-7C4A9A036DC6}" destId="{51FEBBA8-8A9B-4295-9C7A-F792090EC015}" srcOrd="0" destOrd="0" presId="urn:microsoft.com/office/officeart/2018/2/layout/IconCircleList"/>
-    <dgm:cxn modelId="{1EAAC0D1-D977-49AC-AE04-B9101AC987E2}" type="presOf" srcId="{4F268D36-8498-4B23-B761-6D22E332DD6A}" destId="{683F9118-F316-4FE0-ADF4-A3BAC11306EF}" srcOrd="0" destOrd="0" presId="urn:microsoft.com/office/officeart/2018/2/layout/IconCircleList"/>
-    <dgm:cxn modelId="{29F3CFDA-FF7C-4CBB-A431-01BA34FE4241}" type="presOf" srcId="{242BED9D-3C5C-4EE5-BF0A-40975A6CA6C7}" destId="{9E2FC41C-7F22-47D5-A1A7-B04292CECB94}" srcOrd="0" destOrd="0" presId="urn:microsoft.com/office/officeart/2018/2/layout/IconCircleList"/>
-    <dgm:cxn modelId="{AC1969E4-C434-4E05-B00B-CE9054C0AF8B}" type="presOf" srcId="{494F6013-25A4-4EC8-A4AB-BF477C0A2F62}" destId="{6E39B7D9-6052-4B64-80AB-3EE67D804FA9}" srcOrd="0" destOrd="0" presId="urn:microsoft.com/office/officeart/2018/2/layout/IconCircleList"/>
+    <dgm:cxn modelId="{E71D66B2-99FD-4695-8871-2150EFA2500A}" type="presOf" srcId="{494F6013-25A4-4EC8-A4AB-BF477C0A2F62}" destId="{6E39B7D9-6052-4B64-80AB-3EE67D804FA9}" srcOrd="0" destOrd="0" presId="urn:microsoft.com/office/officeart/2018/2/layout/IconCircleList"/>
+    <dgm:cxn modelId="{46D3DDD8-B01D-4A80-A930-0CB2AC23DA49}" type="presOf" srcId="{242BED9D-3C5C-4EE5-BF0A-40975A6CA6C7}" destId="{9E2FC41C-7F22-47D5-A1A7-B04292CECB94}" srcOrd="0" destOrd="0" presId="urn:microsoft.com/office/officeart/2018/2/layout/IconCircleList"/>
     <dgm:cxn modelId="{45058BE4-6166-413B-B043-420786D14D12}" srcId="{42562F80-44F4-4C39-B980-B44E33A539E0}" destId="{D24F6A42-0786-4801-99AB-7C4A9A036DC6}" srcOrd="1" destOrd="0" parTransId="{B7F28C91-9F6A-44D6-B764-A2D6BF291254}" sibTransId="{242BED9D-3C5C-4EE5-BF0A-40975A6CA6C7}"/>
-    <dgm:cxn modelId="{FBB333F0-6BB5-437C-A824-00BFAAFC560B}" type="presOf" srcId="{B7BFC717-34E8-4C27-858B-83A6E0BEA84A}" destId="{92F02A72-6183-45FA-887C-CCEAF205347A}" srcOrd="0" destOrd="0" presId="urn:microsoft.com/office/officeart/2018/2/layout/IconCircleList"/>
-    <dgm:cxn modelId="{1140B1DB-18CF-462A-8D7C-9C0D870A5B37}" type="presParOf" srcId="{5007740E-B81D-49B6-AFF5-A26B3B88E5A9}" destId="{51D1FA1C-3258-4C3A-ACB6-E4A7033AEA9B}" srcOrd="0" destOrd="0" presId="urn:microsoft.com/office/officeart/2018/2/layout/IconCircleList"/>
-    <dgm:cxn modelId="{0C975BE0-8C5D-46CC-86FF-6CA521055D62}" type="presParOf" srcId="{51D1FA1C-3258-4C3A-ACB6-E4A7033AEA9B}" destId="{499B4577-0638-4E93-A8E7-541AF5A55A9B}" srcOrd="0" destOrd="0" presId="urn:microsoft.com/office/officeart/2018/2/layout/IconCircleList"/>
-    <dgm:cxn modelId="{CE51DDD3-6931-4E61-8C0A-7DF41CC1CBBD}" type="presParOf" srcId="{499B4577-0638-4E93-A8E7-541AF5A55A9B}" destId="{C060FEDA-F756-4699-AE7E-00573DDADCCF}" srcOrd="0" destOrd="0" presId="urn:microsoft.com/office/officeart/2018/2/layout/IconCircleList"/>
-    <dgm:cxn modelId="{8613C308-6EA3-44CB-9083-63308B465FF8}" type="presParOf" srcId="{499B4577-0638-4E93-A8E7-541AF5A55A9B}" destId="{09D69F17-8F29-4849-89B4-AD38A8615531}" srcOrd="1" destOrd="0" presId="urn:microsoft.com/office/officeart/2018/2/layout/IconCircleList"/>
-    <dgm:cxn modelId="{0F3C63C5-F9CB-4A83-AFB1-949A38E8D796}" type="presParOf" srcId="{499B4577-0638-4E93-A8E7-541AF5A55A9B}" destId="{E325A40C-8DA7-4B15-836E-346B7A396FC6}" srcOrd="2" destOrd="0" presId="urn:microsoft.com/office/officeart/2018/2/layout/IconCircleList"/>
-    <dgm:cxn modelId="{E78D5BD0-F2CF-4D7D-A149-EF639FC406CD}" type="presParOf" srcId="{499B4577-0638-4E93-A8E7-541AF5A55A9B}" destId="{94B6A7BD-5CDB-4051-BC30-554F9E4E5158}" srcOrd="3" destOrd="0" presId="urn:microsoft.com/office/officeart/2018/2/layout/IconCircleList"/>
-    <dgm:cxn modelId="{E7071E9F-4A9F-4141-8A39-828A52E5822D}" type="presParOf" srcId="{51D1FA1C-3258-4C3A-ACB6-E4A7033AEA9B}" destId="{92F02A72-6183-45FA-887C-CCEAF205347A}" srcOrd="1" destOrd="0" presId="urn:microsoft.com/office/officeart/2018/2/layout/IconCircleList"/>
-    <dgm:cxn modelId="{2A8BEA41-416E-4738-A22B-443394D220B0}" type="presParOf" srcId="{51D1FA1C-3258-4C3A-ACB6-E4A7033AEA9B}" destId="{37020979-E689-4978-9B09-43263D2EE640}" srcOrd="2" destOrd="0" presId="urn:microsoft.com/office/officeart/2018/2/layout/IconCircleList"/>
-    <dgm:cxn modelId="{4C4857A5-26A3-403F-8217-C97626708933}" type="presParOf" srcId="{37020979-E689-4978-9B09-43263D2EE640}" destId="{032E6DAF-C854-4071-8F80-AF78AFFD5F8F}" srcOrd="0" destOrd="0" presId="urn:microsoft.com/office/officeart/2018/2/layout/IconCircleList"/>
-    <dgm:cxn modelId="{7F605EDE-4BA5-4AC7-83C9-7E2C233B2A48}" type="presParOf" srcId="{37020979-E689-4978-9B09-43263D2EE640}" destId="{181CF4AC-F032-4365-9BF7-AE212B51C3B3}" srcOrd="1" destOrd="0" presId="urn:microsoft.com/office/officeart/2018/2/layout/IconCircleList"/>
-    <dgm:cxn modelId="{28CF7B64-8B25-406C-A727-65AF2C7B0D95}" type="presParOf" srcId="{37020979-E689-4978-9B09-43263D2EE640}" destId="{55D0B51F-FBC1-4E1D-8028-9EBA4E9165BA}" srcOrd="2" destOrd="0" presId="urn:microsoft.com/office/officeart/2018/2/layout/IconCircleList"/>
-    <dgm:cxn modelId="{06BBC47D-3EEF-4A89-838F-82CC16778D0E}" type="presParOf" srcId="{37020979-E689-4978-9B09-43263D2EE640}" destId="{51FEBBA8-8A9B-4295-9C7A-F792090EC015}" srcOrd="3" destOrd="0" presId="urn:microsoft.com/office/officeart/2018/2/layout/IconCircleList"/>
-    <dgm:cxn modelId="{69265AA0-20DE-43A6-8512-2F8EF1320606}" type="presParOf" srcId="{51D1FA1C-3258-4C3A-ACB6-E4A7033AEA9B}" destId="{9E2FC41C-7F22-47D5-A1A7-B04292CECB94}" srcOrd="3" destOrd="0" presId="urn:microsoft.com/office/officeart/2018/2/layout/IconCircleList"/>
-    <dgm:cxn modelId="{050A632B-2C82-4A86-9FF9-B937B07DFEE6}" type="presParOf" srcId="{51D1FA1C-3258-4C3A-ACB6-E4A7033AEA9B}" destId="{C0C1CAA2-F390-41FE-8268-BE02AFA13E80}" srcOrd="4" destOrd="0" presId="urn:microsoft.com/office/officeart/2018/2/layout/IconCircleList"/>
-    <dgm:cxn modelId="{E3804376-55AE-4767-90D7-72977B5CC8DE}" type="presParOf" srcId="{C0C1CAA2-F390-41FE-8268-BE02AFA13E80}" destId="{A92CB15B-F478-4B17-9359-CBA2539242F6}" srcOrd="0" destOrd="0" presId="urn:microsoft.com/office/officeart/2018/2/layout/IconCircleList"/>
-    <dgm:cxn modelId="{360263BC-7393-4739-A83A-15B4A5CA775F}" type="presParOf" srcId="{C0C1CAA2-F390-41FE-8268-BE02AFA13E80}" destId="{D758536D-DC45-4209-B8AB-D25C5A96DD6F}" srcOrd="1" destOrd="0" presId="urn:microsoft.com/office/officeart/2018/2/layout/IconCircleList"/>
-    <dgm:cxn modelId="{F9B45546-53DC-4C5D-B271-6140F727E723}" type="presParOf" srcId="{C0C1CAA2-F390-41FE-8268-BE02AFA13E80}" destId="{3ED5DBAC-8FF7-473A-BC65-5290BDFC8777}" srcOrd="2" destOrd="0" presId="urn:microsoft.com/office/officeart/2018/2/layout/IconCircleList"/>
-    <dgm:cxn modelId="{ABCEFB42-DD1F-4666-AFC7-CE9121E17DBA}" type="presParOf" srcId="{C0C1CAA2-F390-41FE-8268-BE02AFA13E80}" destId="{6E39B7D9-6052-4B64-80AB-3EE67D804FA9}" srcOrd="3" destOrd="0" presId="urn:microsoft.com/office/officeart/2018/2/layout/IconCircleList"/>
-    <dgm:cxn modelId="{A2CA9AB4-343E-444A-9B85-278BA2EC6055}" type="presParOf" srcId="{51D1FA1C-3258-4C3A-ACB6-E4A7033AEA9B}" destId="{CA682031-4843-4D5E-9E05-3AF734D29059}" srcOrd="5" destOrd="0" presId="urn:microsoft.com/office/officeart/2018/2/layout/IconCircleList"/>
-    <dgm:cxn modelId="{46E92850-E08B-4D4F-AAE2-4582C46764C5}" type="presParOf" srcId="{51D1FA1C-3258-4C3A-ACB6-E4A7033AEA9B}" destId="{6FB164A4-2DBA-4C03-AC20-9CEE7705168C}" srcOrd="6" destOrd="0" presId="urn:microsoft.com/office/officeart/2018/2/layout/IconCircleList"/>
-    <dgm:cxn modelId="{1FDF365E-E64A-4E2E-98B9-B9B06038BC6C}" type="presParOf" srcId="{6FB164A4-2DBA-4C03-AC20-9CEE7705168C}" destId="{5946C647-03DC-40C2-8483-27A41F63F586}" srcOrd="0" destOrd="0" presId="urn:microsoft.com/office/officeart/2018/2/layout/IconCircleList"/>
-    <dgm:cxn modelId="{81B0A0D4-892C-4BBC-9B8B-80F262D939A5}" type="presParOf" srcId="{6FB164A4-2DBA-4C03-AC20-9CEE7705168C}" destId="{2B2E4F37-E98C-47B6-BD55-77142ED8B0E0}" srcOrd="1" destOrd="0" presId="urn:microsoft.com/office/officeart/2018/2/layout/IconCircleList"/>
-    <dgm:cxn modelId="{6814DED4-2FEF-40E0-8B84-8E75F0DFFF52}" type="presParOf" srcId="{6FB164A4-2DBA-4C03-AC20-9CEE7705168C}" destId="{9B97BE04-D5DD-4275-A488-34D16FEB14EE}" srcOrd="2" destOrd="0" presId="urn:microsoft.com/office/officeart/2018/2/layout/IconCircleList"/>
-    <dgm:cxn modelId="{94D02F2F-0DFC-44F1-9B47-182961AECBB8}" type="presParOf" srcId="{6FB164A4-2DBA-4C03-AC20-9CEE7705168C}" destId="{683F9118-F316-4FE0-ADF4-A3BAC11306EF}" srcOrd="3" destOrd="0" presId="urn:microsoft.com/office/officeart/2018/2/layout/IconCircleList"/>
+    <dgm:cxn modelId="{63DE73A3-4889-4425-A4CA-3A298E194E45}" type="presParOf" srcId="{5007740E-B81D-49B6-AFF5-A26B3B88E5A9}" destId="{51D1FA1C-3258-4C3A-ACB6-E4A7033AEA9B}" srcOrd="0" destOrd="0" presId="urn:microsoft.com/office/officeart/2018/2/layout/IconCircleList"/>
+    <dgm:cxn modelId="{A5948B7E-9897-4667-9F4B-74FA58B64F75}" type="presParOf" srcId="{51D1FA1C-3258-4C3A-ACB6-E4A7033AEA9B}" destId="{499B4577-0638-4E93-A8E7-541AF5A55A9B}" srcOrd="0" destOrd="0" presId="urn:microsoft.com/office/officeart/2018/2/layout/IconCircleList"/>
+    <dgm:cxn modelId="{9073947B-7A9A-4070-859E-76B3C4C7B61F}" type="presParOf" srcId="{499B4577-0638-4E93-A8E7-541AF5A55A9B}" destId="{C060FEDA-F756-4699-AE7E-00573DDADCCF}" srcOrd="0" destOrd="0" presId="urn:microsoft.com/office/officeart/2018/2/layout/IconCircleList"/>
+    <dgm:cxn modelId="{F0268383-8619-460F-AA00-099F8512EB2B}" type="presParOf" srcId="{499B4577-0638-4E93-A8E7-541AF5A55A9B}" destId="{09D69F17-8F29-4849-89B4-AD38A8615531}" srcOrd="1" destOrd="0" presId="urn:microsoft.com/office/officeart/2018/2/layout/IconCircleList"/>
+    <dgm:cxn modelId="{1968CD50-8F4E-4B0C-BA8A-5F39B2982F83}" type="presParOf" srcId="{499B4577-0638-4E93-A8E7-541AF5A55A9B}" destId="{E325A40C-8DA7-4B15-836E-346B7A396FC6}" srcOrd="2" destOrd="0" presId="urn:microsoft.com/office/officeart/2018/2/layout/IconCircleList"/>
+    <dgm:cxn modelId="{9A5BA1B4-04C8-4C87-94E8-8DFF54EAF785}" type="presParOf" srcId="{499B4577-0638-4E93-A8E7-541AF5A55A9B}" destId="{94B6A7BD-5CDB-4051-BC30-554F9E4E5158}" srcOrd="3" destOrd="0" presId="urn:microsoft.com/office/officeart/2018/2/layout/IconCircleList"/>
+    <dgm:cxn modelId="{156B67C9-AFDC-42AE-8F74-391BBAD536A9}" type="presParOf" srcId="{51D1FA1C-3258-4C3A-ACB6-E4A7033AEA9B}" destId="{92F02A72-6183-45FA-887C-CCEAF205347A}" srcOrd="1" destOrd="0" presId="urn:microsoft.com/office/officeart/2018/2/layout/IconCircleList"/>
+    <dgm:cxn modelId="{FA5636F4-60AA-4355-B618-725ED37C98DC}" type="presParOf" srcId="{51D1FA1C-3258-4C3A-ACB6-E4A7033AEA9B}" destId="{37020979-E689-4978-9B09-43263D2EE640}" srcOrd="2" destOrd="0" presId="urn:microsoft.com/office/officeart/2018/2/layout/IconCircleList"/>
+    <dgm:cxn modelId="{CB43FECD-E47D-4252-AE6B-8166969878D2}" type="presParOf" srcId="{37020979-E689-4978-9B09-43263D2EE640}" destId="{032E6DAF-C854-4071-8F80-AF78AFFD5F8F}" srcOrd="0" destOrd="0" presId="urn:microsoft.com/office/officeart/2018/2/layout/IconCircleList"/>
+    <dgm:cxn modelId="{928309E1-13A6-4306-B853-6813780EE6E4}" type="presParOf" srcId="{37020979-E689-4978-9B09-43263D2EE640}" destId="{181CF4AC-F032-4365-9BF7-AE212B51C3B3}" srcOrd="1" destOrd="0" presId="urn:microsoft.com/office/officeart/2018/2/layout/IconCircleList"/>
+    <dgm:cxn modelId="{E649CF05-D7CD-42B1-9800-D13EB3A3DC05}" type="presParOf" srcId="{37020979-E689-4978-9B09-43263D2EE640}" destId="{55D0B51F-FBC1-4E1D-8028-9EBA4E9165BA}" srcOrd="2" destOrd="0" presId="urn:microsoft.com/office/officeart/2018/2/layout/IconCircleList"/>
+    <dgm:cxn modelId="{183B579C-D6AF-461A-B066-2A3F38E5A81A}" type="presParOf" srcId="{37020979-E689-4978-9B09-43263D2EE640}" destId="{51FEBBA8-8A9B-4295-9C7A-F792090EC015}" srcOrd="3" destOrd="0" presId="urn:microsoft.com/office/officeart/2018/2/layout/IconCircleList"/>
+    <dgm:cxn modelId="{89D0EBDE-AABE-4795-9895-7D0E6698F8AD}" type="presParOf" srcId="{51D1FA1C-3258-4C3A-ACB6-E4A7033AEA9B}" destId="{9E2FC41C-7F22-47D5-A1A7-B04292CECB94}" srcOrd="3" destOrd="0" presId="urn:microsoft.com/office/officeart/2018/2/layout/IconCircleList"/>
+    <dgm:cxn modelId="{86531C7D-E2AE-4011-91C0-CCD59C2107B6}" type="presParOf" srcId="{51D1FA1C-3258-4C3A-ACB6-E4A7033AEA9B}" destId="{C0C1CAA2-F390-41FE-8268-BE02AFA13E80}" srcOrd="4" destOrd="0" presId="urn:microsoft.com/office/officeart/2018/2/layout/IconCircleList"/>
+    <dgm:cxn modelId="{3947A884-095C-4881-91E4-24434FD45C78}" type="presParOf" srcId="{C0C1CAA2-F390-41FE-8268-BE02AFA13E80}" destId="{A92CB15B-F478-4B17-9359-CBA2539242F6}" srcOrd="0" destOrd="0" presId="urn:microsoft.com/office/officeart/2018/2/layout/IconCircleList"/>
+    <dgm:cxn modelId="{C4BE564C-7A88-4229-9513-21C65E4D9C08}" type="presParOf" srcId="{C0C1CAA2-F390-41FE-8268-BE02AFA13E80}" destId="{D758536D-DC45-4209-B8AB-D25C5A96DD6F}" srcOrd="1" destOrd="0" presId="urn:microsoft.com/office/officeart/2018/2/layout/IconCircleList"/>
+    <dgm:cxn modelId="{282750F1-FED4-42EA-ADB2-A58102900F87}" type="presParOf" srcId="{C0C1CAA2-F390-41FE-8268-BE02AFA13E80}" destId="{3ED5DBAC-8FF7-473A-BC65-5290BDFC8777}" srcOrd="2" destOrd="0" presId="urn:microsoft.com/office/officeart/2018/2/layout/IconCircleList"/>
+    <dgm:cxn modelId="{83717388-229A-479D-8CAD-C41279AD5B22}" type="presParOf" srcId="{C0C1CAA2-F390-41FE-8268-BE02AFA13E80}" destId="{6E39B7D9-6052-4B64-80AB-3EE67D804FA9}" srcOrd="3" destOrd="0" presId="urn:microsoft.com/office/officeart/2018/2/layout/IconCircleList"/>
+    <dgm:cxn modelId="{1FE8FC35-1810-4FC3-982A-568648BB81F2}" type="presParOf" srcId="{51D1FA1C-3258-4C3A-ACB6-E4A7033AEA9B}" destId="{CA682031-4843-4D5E-9E05-3AF734D29059}" srcOrd="5" destOrd="0" presId="urn:microsoft.com/office/officeart/2018/2/layout/IconCircleList"/>
+    <dgm:cxn modelId="{F9BB6935-1ADA-4BB7-AACD-4ACCFE997101}" type="presParOf" srcId="{51D1FA1C-3258-4C3A-ACB6-E4A7033AEA9B}" destId="{6FB164A4-2DBA-4C03-AC20-9CEE7705168C}" srcOrd="6" destOrd="0" presId="urn:microsoft.com/office/officeart/2018/2/layout/IconCircleList"/>
+    <dgm:cxn modelId="{AFDAC4ED-07A8-49AE-A1A0-E2D5897C946F}" type="presParOf" srcId="{6FB164A4-2DBA-4C03-AC20-9CEE7705168C}" destId="{5946C647-03DC-40C2-8483-27A41F63F586}" srcOrd="0" destOrd="0" presId="urn:microsoft.com/office/officeart/2018/2/layout/IconCircleList"/>
+    <dgm:cxn modelId="{FCB8648E-14BC-4D07-9227-6E81C4B7CB18}" type="presParOf" srcId="{6FB164A4-2DBA-4C03-AC20-9CEE7705168C}" destId="{2B2E4F37-E98C-47B6-BD55-77142ED8B0E0}" srcOrd="1" destOrd="0" presId="urn:microsoft.com/office/officeart/2018/2/layout/IconCircleList"/>
+    <dgm:cxn modelId="{39D32298-0E3E-4889-B00B-D5B067D39A3E}" type="presParOf" srcId="{6FB164A4-2DBA-4C03-AC20-9CEE7705168C}" destId="{9B97BE04-D5DD-4275-A488-34D16FEB14EE}" srcOrd="2" destOrd="0" presId="urn:microsoft.com/office/officeart/2018/2/layout/IconCircleList"/>
+    <dgm:cxn modelId="{2DA94E54-B864-4483-BC9D-F3AA7F225525}" type="presParOf" srcId="{6FB164A4-2DBA-4C03-AC20-9CEE7705168C}" destId="{683F9118-F316-4FE0-ADF4-A3BAC11306EF}" srcOrd="3" destOrd="0" presId="urn:microsoft.com/office/officeart/2018/2/layout/IconCircleList"/>
   </dgm:cxnLst>
   <dgm:bg/>
   <dgm:whole/>
@@ -6181,8 +6243,8 @@
       </dsp:nvSpPr>
       <dsp:spPr>
         <a:xfrm>
-          <a:off x="936253" y="872063"/>
-          <a:ext cx="1004062" cy="1004062"/>
+          <a:off x="992426" y="800444"/>
+          <a:ext cx="1064601" cy="1064601"/>
         </a:xfrm>
         <a:prstGeom prst="rect">
           <a:avLst/>
@@ -6230,8 +6292,8 @@
       </dsp:nvSpPr>
       <dsp:spPr>
         <a:xfrm>
-          <a:off x="3910" y="1977148"/>
-          <a:ext cx="2868750" cy="564785"/>
+          <a:off x="3868" y="1989942"/>
+          <a:ext cx="3041718" cy="719586"/>
         </a:xfrm>
         <a:prstGeom prst="rect">
           <a:avLst/>
@@ -6260,7 +6322,7 @@
         </a:bodyPr>
         <a:lstStyle/>
         <a:p>
-          <a:pPr marL="0" lvl="0" indent="0" algn="ctr" defTabSz="622300">
+          <a:pPr marL="0" lvl="0" indent="0" algn="ctr" defTabSz="800100">
             <a:lnSpc>
               <a:spcPct val="90000"/>
             </a:lnSpc>
@@ -6274,19 +6336,27 @@
             <a:defRPr b="1"/>
           </a:pPr>
           <a:r>
-            <a:rPr lang="en-US" sz="1400" b="1" i="0" kern="1200" baseline="0"/>
+            <a:rPr lang="en-US" sz="1800" b="1" i="0" kern="1200" baseline="0" dirty="0"/>
             <a:t>Starting Point</a:t>
           </a:r>
           <a:r>
-            <a:rPr lang="en-US" sz="1400" b="0" i="0" kern="1200" baseline="0"/>
-            <a:t>: Excel file listing PropTech companies.</a:t>
+            <a:rPr lang="en-US" sz="1800" b="0" i="0" kern="1200" baseline="0" dirty="0"/>
+            <a:t>: Excel file listing </a:t>
           </a:r>
-          <a:endParaRPr lang="en-US" sz="1400" kern="1200"/>
+          <a:r>
+            <a:rPr lang="en-US" sz="1800" b="0" i="0" kern="1200" baseline="0" dirty="0" err="1"/>
+            <a:t>PropTech</a:t>
+          </a:r>
+          <a:r>
+            <a:rPr lang="en-US" sz="1800" b="0" i="0" kern="1200" baseline="0" dirty="0"/>
+            <a:t> companies.</a:t>
+          </a:r>
+          <a:endParaRPr lang="en-US" sz="1800" kern="1200" dirty="0"/>
         </a:p>
       </dsp:txBody>
       <dsp:txXfrm>
-        <a:off x="3910" y="1977148"/>
-        <a:ext cx="2868750" cy="564785"/>
+        <a:off x="3868" y="1989942"/>
+        <a:ext cx="3041718" cy="719586"/>
       </dsp:txXfrm>
     </dsp:sp>
     <dsp:sp modelId="{8C764B8E-2838-4C6F-93F9-420F961A294A}">
@@ -6296,8 +6366,8 @@
       </dsp:nvSpPr>
       <dsp:spPr>
         <a:xfrm>
-          <a:off x="3910" y="2588920"/>
-          <a:ext cx="2868750" cy="632497"/>
+          <a:off x="3868" y="2767620"/>
+          <a:ext cx="3041718" cy="937391"/>
         </a:xfrm>
         <a:prstGeom prst="rect">
           <a:avLst/>
@@ -6328,8 +6398,8 @@
       </dsp:nvSpPr>
       <dsp:spPr>
         <a:xfrm>
-          <a:off x="4307035" y="796864"/>
-          <a:ext cx="1004062" cy="1004062"/>
+          <a:off x="4566446" y="668845"/>
+          <a:ext cx="1064601" cy="1064601"/>
         </a:xfrm>
         <a:prstGeom prst="rect">
           <a:avLst/>
@@ -6377,8 +6447,8 @@
       </dsp:nvSpPr>
       <dsp:spPr>
         <a:xfrm>
-          <a:off x="3374691" y="1908416"/>
-          <a:ext cx="2868750" cy="564785"/>
+          <a:off x="3577887" y="1869661"/>
+          <a:ext cx="3041718" cy="719586"/>
         </a:xfrm>
         <a:prstGeom prst="rect">
           <a:avLst/>
@@ -6407,7 +6477,7 @@
         </a:bodyPr>
         <a:lstStyle/>
         <a:p>
-          <a:pPr marL="0" lvl="0" indent="0" algn="ctr" defTabSz="622300">
+          <a:pPr marL="0" lvl="0" indent="0" algn="ctr" defTabSz="800100">
             <a:lnSpc>
               <a:spcPct val="90000"/>
             </a:lnSpc>
@@ -6421,19 +6491,19 @@
             <a:defRPr b="1"/>
           </a:pPr>
           <a:r>
-            <a:rPr lang="en-US" sz="1400" b="1" i="0" kern="1200" baseline="0"/>
+            <a:rPr lang="en-US" sz="1800" b="1" i="0" kern="1200" baseline="0" dirty="0"/>
             <a:t>Public Information Gathered From</a:t>
           </a:r>
           <a:r>
-            <a:rPr lang="en-US" sz="1400" b="0" i="0" kern="1200" baseline="0"/>
+            <a:rPr lang="en-US" sz="1800" b="0" i="0" kern="1200" baseline="0" dirty="0"/>
             <a:t>:</a:t>
           </a:r>
-          <a:endParaRPr lang="en-US" sz="1400" kern="1200"/>
+          <a:endParaRPr lang="en-US" sz="1800" kern="1200" dirty="0"/>
         </a:p>
       </dsp:txBody>
       <dsp:txXfrm>
-        <a:off x="3374691" y="1908416"/>
-        <a:ext cx="2868750" cy="564785"/>
+        <a:off x="3577887" y="1869661"/>
+        <a:ext cx="3041718" cy="719586"/>
       </dsp:txXfrm>
     </dsp:sp>
     <dsp:sp modelId="{45C2B647-B062-49F3-8B31-4AA29EA578D7}">
@@ -6443,8 +6513,8 @@
       </dsp:nvSpPr>
       <dsp:spPr>
         <a:xfrm>
-          <a:off x="3374691" y="2523196"/>
-          <a:ext cx="2868750" cy="773421"/>
+          <a:off x="3577887" y="2652602"/>
+          <a:ext cx="3041718" cy="1184007"/>
         </a:xfrm>
         <a:prstGeom prst="rect">
           <a:avLst/>
@@ -6473,7 +6543,7 @@
         </a:bodyPr>
         <a:lstStyle/>
         <a:p>
-          <a:pPr marL="0" lvl="0" indent="0" algn="ctr" defTabSz="488950">
+          <a:pPr marL="0" lvl="0" indent="0" algn="ctr" defTabSz="755650">
             <a:lnSpc>
               <a:spcPct val="90000"/>
             </a:lnSpc>
@@ -6486,13 +6556,13 @@
             <a:buNone/>
           </a:pPr>
           <a:r>
-            <a:rPr lang="en-US" sz="1100" b="0" i="0" kern="1200" baseline="0"/>
+            <a:rPr lang="en-US" sz="1700" b="0" i="0" kern="1200" baseline="0"/>
             <a:t>Company websites</a:t>
           </a:r>
-          <a:endParaRPr lang="en-US" sz="1100" kern="1200"/>
+          <a:endParaRPr lang="en-US" sz="1700" kern="1200"/>
         </a:p>
         <a:p>
-          <a:pPr marL="0" lvl="0" indent="0" algn="ctr" defTabSz="488950">
+          <a:pPr marL="0" lvl="0" indent="0" algn="ctr" defTabSz="755650">
             <a:lnSpc>
               <a:spcPct val="90000"/>
             </a:lnSpc>
@@ -6505,13 +6575,13 @@
             <a:buNone/>
           </a:pPr>
           <a:r>
-            <a:rPr lang="en-US" sz="1100" b="0" i="0" kern="1200" baseline="0"/>
+            <a:rPr lang="en-US" sz="1700" b="0" i="0" kern="1200" baseline="0" dirty="0"/>
             <a:t>Press releases</a:t>
           </a:r>
-          <a:endParaRPr lang="en-US" sz="1100" kern="1200"/>
+          <a:endParaRPr lang="en-US" sz="1700" kern="1200" dirty="0"/>
         </a:p>
         <a:p>
-          <a:pPr marL="0" lvl="0" indent="0" algn="ctr" defTabSz="488950">
+          <a:pPr marL="0" lvl="0" indent="0" algn="ctr" defTabSz="755650">
             <a:lnSpc>
               <a:spcPct val="90000"/>
             </a:lnSpc>
@@ -6524,13 +6594,13 @@
             <a:buNone/>
           </a:pPr>
           <a:r>
-            <a:rPr lang="en-US" sz="1100" b="0" i="0" kern="1200" baseline="0"/>
+            <a:rPr lang="en-US" sz="1700" b="0" i="0" kern="1200" baseline="0"/>
             <a:t>Funding databases and news</a:t>
           </a:r>
-          <a:endParaRPr lang="en-US" sz="1100" kern="1200"/>
+          <a:endParaRPr lang="en-US" sz="1700" kern="1200"/>
         </a:p>
         <a:p>
-          <a:pPr marL="0" lvl="0" indent="0" algn="ctr" defTabSz="488950">
+          <a:pPr marL="0" lvl="0" indent="0" algn="ctr" defTabSz="755650">
             <a:lnSpc>
               <a:spcPct val="90000"/>
             </a:lnSpc>
@@ -6543,15 +6613,15 @@
             <a:buNone/>
           </a:pPr>
           <a:r>
-            <a:rPr lang="en-US" sz="1100" b="0" i="0" kern="1200" baseline="0"/>
+            <a:rPr lang="en-US" sz="1700" b="0" i="0" kern="1200" baseline="0"/>
             <a:t>Board &amp; investor disclosures</a:t>
           </a:r>
-          <a:endParaRPr lang="en-US" sz="1100" kern="1200"/>
+          <a:endParaRPr lang="en-US" sz="1700" kern="1200"/>
         </a:p>
       </dsp:txBody>
       <dsp:txXfrm>
-        <a:off x="3374691" y="2523196"/>
-        <a:ext cx="2868750" cy="773421"/>
+        <a:off x="3577887" y="2652602"/>
+        <a:ext cx="3041718" cy="1184007"/>
       </dsp:txXfrm>
     </dsp:sp>
     <dsp:sp modelId="{E1201401-8246-4A76-87F2-6115140BC6B3}">
@@ -6561,8 +6631,8 @@
       </dsp:nvSpPr>
       <dsp:spPr>
         <a:xfrm>
-          <a:off x="7677816" y="796864"/>
-          <a:ext cx="1004062" cy="1004062"/>
+          <a:off x="8140465" y="668845"/>
+          <a:ext cx="1064601" cy="1064601"/>
         </a:xfrm>
         <a:prstGeom prst="rect">
           <a:avLst/>
@@ -6610,8 +6680,8 @@
       </dsp:nvSpPr>
       <dsp:spPr>
         <a:xfrm>
-          <a:off x="6745472" y="1908416"/>
-          <a:ext cx="2868750" cy="564785"/>
+          <a:off x="7151907" y="1869661"/>
+          <a:ext cx="3041718" cy="719586"/>
         </a:xfrm>
         <a:prstGeom prst="rect">
           <a:avLst/>
@@ -6640,7 +6710,7 @@
         </a:bodyPr>
         <a:lstStyle/>
         <a:p>
-          <a:pPr marL="0" lvl="0" indent="0" algn="ctr" defTabSz="622300">
+          <a:pPr marL="0" lvl="0" indent="0" algn="ctr" defTabSz="800100">
             <a:lnSpc>
               <a:spcPct val="90000"/>
             </a:lnSpc>
@@ -6654,19 +6724,23 @@
             <a:defRPr b="1"/>
           </a:pPr>
           <a:r>
-            <a:rPr lang="en-US" sz="1400" b="1" i="0" kern="1200" baseline="0"/>
+            <a:rPr lang="en-US" sz="1800" b="1" i="0" kern="1200" baseline="0" dirty="0"/>
             <a:t>AI Role</a:t>
           </a:r>
           <a:r>
-            <a:rPr lang="en-US" sz="1400" b="0" i="0" kern="1200" baseline="0"/>
-            <a:t>: Automates the collection and summarization of this information.</a:t>
+            <a:rPr lang="en-US" sz="1800" b="0" i="0" kern="1200" baseline="0" dirty="0"/>
+            <a:t>: Automates the collection and summarization of this information</a:t>
           </a:r>
-          <a:endParaRPr lang="en-US" sz="1400" kern="1200"/>
+          <a:r>
+            <a:rPr lang="en-US" sz="1400" b="0" i="0" kern="1200" baseline="0" dirty="0"/>
+            <a:t>.</a:t>
+          </a:r>
+          <a:endParaRPr lang="en-US" sz="1400" kern="1200" dirty="0"/>
         </a:p>
       </dsp:txBody>
       <dsp:txXfrm>
-        <a:off x="6745472" y="1908416"/>
-        <a:ext cx="2868750" cy="564785"/>
+        <a:off x="7151907" y="1869661"/>
+        <a:ext cx="3041718" cy="719586"/>
       </dsp:txXfrm>
     </dsp:sp>
     <dsp:sp modelId="{1D14C75E-D5D3-4F9B-B968-563212A22645}">
@@ -6676,8 +6750,8 @@
       </dsp:nvSpPr>
       <dsp:spPr>
         <a:xfrm>
-          <a:off x="6745472" y="2523196"/>
-          <a:ext cx="2868750" cy="773421"/>
+          <a:off x="7151907" y="2652602"/>
+          <a:ext cx="3041718" cy="1184007"/>
         </a:xfrm>
         <a:prstGeom prst="rect">
           <a:avLst/>
@@ -7470,8 +7544,8 @@
       </dsp:nvSpPr>
       <dsp:spPr>
         <a:xfrm>
-          <a:off x="60186" y="441408"/>
-          <a:ext cx="1257386" cy="1257386"/>
+          <a:off x="256626" y="654049"/>
+          <a:ext cx="1358774" cy="1358774"/>
         </a:xfrm>
         <a:prstGeom prst="ellipse">
           <a:avLst/>
@@ -7509,8 +7583,8 @@
       </dsp:nvSpPr>
       <dsp:spPr>
         <a:xfrm>
-          <a:off x="324237" y="705459"/>
-          <a:ext cx="729284" cy="729284"/>
+          <a:off x="541968" y="939392"/>
+          <a:ext cx="788089" cy="788089"/>
         </a:xfrm>
         <a:prstGeom prst="rect">
           <a:avLst/>
@@ -7558,8 +7632,8 @@
       </dsp:nvSpPr>
       <dsp:spPr>
         <a:xfrm>
-          <a:off x="1587013" y="441408"/>
-          <a:ext cx="2963839" cy="1257386"/>
+          <a:off x="1906566" y="654049"/>
+          <a:ext cx="3202826" cy="1358774"/>
         </a:xfrm>
         <a:prstGeom prst="rect">
           <a:avLst/>
@@ -7588,7 +7662,7 @@
         </a:bodyPr>
         <a:lstStyle/>
         <a:p>
-          <a:pPr marL="0" lvl="0" indent="0" algn="l" defTabSz="933450">
+          <a:pPr marL="0" lvl="0" indent="0" algn="l" defTabSz="622300">
             <a:lnSpc>
               <a:spcPct val="100000"/>
             </a:lnSpc>
@@ -7601,15 +7675,15 @@
             <a:buNone/>
           </a:pPr>
           <a:r>
-            <a:rPr lang="en-US" sz="2100" b="0" i="0" kern="1200" baseline="0"/>
+            <a:rPr lang="en-US" sz="1400" b="0" i="0" kern="1200" baseline="0"/>
             <a:t>Extend analysis to additional PropTech sectors or geographies.</a:t>
           </a:r>
-          <a:endParaRPr lang="en-US" sz="2100" kern="1200"/>
+          <a:endParaRPr lang="en-US" sz="1400" kern="1200" dirty="0"/>
         </a:p>
       </dsp:txBody>
       <dsp:txXfrm>
-        <a:off x="1587013" y="441408"/>
-        <a:ext cx="2963839" cy="1257386"/>
+        <a:off x="1906566" y="654049"/>
+        <a:ext cx="3202826" cy="1358774"/>
       </dsp:txXfrm>
     </dsp:sp>
     <dsp:sp modelId="{032E6DAF-C854-4071-8F80-AF78AFFD5F8F}">
@@ -7619,8 +7693,8 @@
       </dsp:nvSpPr>
       <dsp:spPr>
         <a:xfrm>
-          <a:off x="5067279" y="441408"/>
-          <a:ext cx="1257386" cy="1257386"/>
+          <a:off x="5667461" y="654049"/>
+          <a:ext cx="1358774" cy="1358774"/>
         </a:xfrm>
         <a:prstGeom prst="ellipse">
           <a:avLst/>
@@ -7658,8 +7732,8 @@
       </dsp:nvSpPr>
       <dsp:spPr>
         <a:xfrm>
-          <a:off x="5331331" y="705459"/>
-          <a:ext cx="729284" cy="729284"/>
+          <a:off x="5952803" y="939392"/>
+          <a:ext cx="788089" cy="788089"/>
         </a:xfrm>
         <a:prstGeom prst="rect">
           <a:avLst/>
@@ -7707,8 +7781,8 @@
       </dsp:nvSpPr>
       <dsp:spPr>
         <a:xfrm>
-          <a:off x="6594106" y="441408"/>
-          <a:ext cx="2963839" cy="1257386"/>
+          <a:off x="7317401" y="654049"/>
+          <a:ext cx="3202826" cy="1358774"/>
         </a:xfrm>
         <a:prstGeom prst="rect">
           <a:avLst/>
@@ -7737,7 +7811,7 @@
         </a:bodyPr>
         <a:lstStyle/>
         <a:p>
-          <a:pPr marL="0" lvl="0" indent="0" algn="l" defTabSz="933450">
+          <a:pPr marL="0" lvl="0" indent="0" algn="l" defTabSz="622300">
             <a:lnSpc>
               <a:spcPct val="100000"/>
             </a:lnSpc>
@@ -7750,15 +7824,15 @@
             <a:buNone/>
           </a:pPr>
           <a:r>
-            <a:rPr lang="en-US" sz="2100" b="0" i="0" kern="1200" baseline="0"/>
+            <a:rPr lang="en-US" sz="1400" b="0" i="0" kern="1200" baseline="0"/>
             <a:t>Combine with financial performance metrics for deeper evaluation.</a:t>
           </a:r>
-          <a:endParaRPr lang="en-US" sz="2100" kern="1200"/>
+          <a:endParaRPr lang="en-US" sz="1400" kern="1200" dirty="0"/>
         </a:p>
       </dsp:txBody>
       <dsp:txXfrm>
-        <a:off x="6594106" y="441408"/>
-        <a:ext cx="2963839" cy="1257386"/>
+        <a:off x="7317401" y="654049"/>
+        <a:ext cx="3202826" cy="1358774"/>
       </dsp:txXfrm>
     </dsp:sp>
     <dsp:sp modelId="{A92CB15B-F478-4B17-9359-CBA2539242F6}">
@@ -7768,8 +7842,8 @@
       </dsp:nvSpPr>
       <dsp:spPr>
         <a:xfrm>
-          <a:off x="60186" y="2394686"/>
-          <a:ext cx="1257386" cy="1257386"/>
+          <a:off x="256626" y="2837354"/>
+          <a:ext cx="1358774" cy="1358774"/>
         </a:xfrm>
         <a:prstGeom prst="ellipse">
           <a:avLst/>
@@ -7807,8 +7881,8 @@
       </dsp:nvSpPr>
       <dsp:spPr>
         <a:xfrm>
-          <a:off x="324237" y="2658738"/>
-          <a:ext cx="729284" cy="729284"/>
+          <a:off x="541968" y="3122697"/>
+          <a:ext cx="788089" cy="788089"/>
         </a:xfrm>
         <a:prstGeom prst="rect">
           <a:avLst/>
@@ -7856,8 +7930,8 @@
       </dsp:nvSpPr>
       <dsp:spPr>
         <a:xfrm>
-          <a:off x="1587013" y="2394686"/>
-          <a:ext cx="2963839" cy="1257386"/>
+          <a:off x="1906566" y="2837354"/>
+          <a:ext cx="3202826" cy="1358774"/>
         </a:xfrm>
         <a:prstGeom prst="rect">
           <a:avLst/>
@@ -7886,7 +7960,7 @@
         </a:bodyPr>
         <a:lstStyle/>
         <a:p>
-          <a:pPr marL="0" lvl="0" indent="0" algn="l" defTabSz="933450">
+          <a:pPr marL="0" lvl="0" indent="0" algn="l" defTabSz="622300">
             <a:lnSpc>
               <a:spcPct val="100000"/>
             </a:lnSpc>
@@ -7899,23 +7973,23 @@
             <a:buNone/>
           </a:pPr>
           <a:r>
-            <a:rPr lang="en-US" sz="2100" b="0" i="0" kern="1200" baseline="0"/>
+            <a:rPr lang="en-US" sz="1400" b="0" i="0" kern="1200" baseline="0"/>
             <a:t>Use framework as a </a:t>
           </a:r>
           <a:r>
-            <a:rPr lang="en-US" sz="2100" b="1" i="0" kern="1200" baseline="0"/>
+            <a:rPr lang="en-US" sz="1400" b="1" i="0" kern="1200" baseline="0"/>
             <a:t>repeatable due diligence tool</a:t>
           </a:r>
           <a:r>
-            <a:rPr lang="en-US" sz="2100" b="0" i="0" kern="1200" baseline="0"/>
+            <a:rPr lang="en-US" sz="1400" b="0" i="0" kern="1200" baseline="0"/>
             <a:t> for future acquisitions.</a:t>
           </a:r>
-          <a:endParaRPr lang="en-US" sz="2100" kern="1200"/>
+          <a:endParaRPr lang="en-US" sz="1400" kern="1200" dirty="0"/>
         </a:p>
       </dsp:txBody>
       <dsp:txXfrm>
-        <a:off x="1587013" y="2394686"/>
-        <a:ext cx="2963839" cy="1257386"/>
+        <a:off x="1906566" y="2837354"/>
+        <a:ext cx="3202826" cy="1358774"/>
       </dsp:txXfrm>
     </dsp:sp>
     <dsp:sp modelId="{5946C647-03DC-40C2-8483-27A41F63F586}">
@@ -7925,8 +7999,8 @@
       </dsp:nvSpPr>
       <dsp:spPr>
         <a:xfrm>
-          <a:off x="5067279" y="2394686"/>
-          <a:ext cx="1257386" cy="1257386"/>
+          <a:off x="5667461" y="2837354"/>
+          <a:ext cx="1358774" cy="1358774"/>
         </a:xfrm>
         <a:prstGeom prst="ellipse">
           <a:avLst/>
@@ -7964,8 +8038,8 @@
       </dsp:nvSpPr>
       <dsp:spPr>
         <a:xfrm>
-          <a:off x="5331331" y="2658738"/>
-          <a:ext cx="729284" cy="729284"/>
+          <a:off x="5952803" y="3122697"/>
+          <a:ext cx="788089" cy="788089"/>
         </a:xfrm>
         <a:prstGeom prst="rect">
           <a:avLst/>
@@ -8013,8 +8087,8 @@
       </dsp:nvSpPr>
       <dsp:spPr>
         <a:xfrm>
-          <a:off x="6594106" y="2394686"/>
-          <a:ext cx="2963839" cy="1257386"/>
+          <a:off x="7317401" y="2837354"/>
+          <a:ext cx="3202826" cy="1358774"/>
         </a:xfrm>
         <a:prstGeom prst="rect">
           <a:avLst/>
@@ -8043,7 +8117,22 @@
         </a:bodyPr>
         <a:lstStyle/>
         <a:p>
-          <a:pPr marL="0" lvl="0" indent="0" algn="l" defTabSz="933450">
+          <a:pPr marL="0" lvl="0" indent="0" algn="l" defTabSz="622300">
+            <a:lnSpc>
+              <a:spcPct val="100000"/>
+            </a:lnSpc>
+            <a:spcBef>
+              <a:spcPct val="0"/>
+            </a:spcBef>
+            <a:spcAft>
+              <a:spcPct val="35000"/>
+            </a:spcAft>
+            <a:buNone/>
+          </a:pPr>
+          <a:endParaRPr lang="en-US" sz="1400" b="1" kern="1200" dirty="0"/>
+        </a:p>
+        <a:p>
+          <a:pPr marL="0" lvl="0" indent="0" algn="l" defTabSz="622300">
             <a:lnSpc>
               <a:spcPct val="100000"/>
             </a:lnSpc>
@@ -8056,15 +8145,84 @@
             <a:buNone/>
           </a:pPr>
           <a:r>
-            <a:rPr lang="en-US" sz="2100" b="0" i="0" kern="1200" baseline="0"/>
-            <a:t>Share findings with deal teams to accelerate decision-making.</a:t>
+            <a:rPr lang="en-US" sz="1400" b="1" kern="1200" dirty="0"/>
+            <a:t>Leverage stored URLs to build scripts that:</a:t>
           </a:r>
-          <a:endParaRPr lang="en-US" sz="2100" kern="1200"/>
+        </a:p>
+        <a:p>
+          <a:pPr marL="0" lvl="0" indent="0" algn="l" defTabSz="622300">
+            <a:lnSpc>
+              <a:spcPct val="100000"/>
+            </a:lnSpc>
+            <a:spcBef>
+              <a:spcPct val="0"/>
+            </a:spcBef>
+            <a:spcAft>
+              <a:spcPct val="35000"/>
+            </a:spcAft>
+            <a:buNone/>
+          </a:pPr>
+          <a:r>
+            <a:rPr lang="en-US" sz="1400" b="1" kern="1200" dirty="0"/>
+            <a:t>- Extract highly specific details from trusted sources.</a:t>
+          </a:r>
+        </a:p>
+        <a:p>
+          <a:pPr marL="0" lvl="0" indent="0" algn="l" defTabSz="622300">
+            <a:lnSpc>
+              <a:spcPct val="100000"/>
+            </a:lnSpc>
+            <a:spcBef>
+              <a:spcPct val="0"/>
+            </a:spcBef>
+            <a:spcAft>
+              <a:spcPct val="35000"/>
+            </a:spcAft>
+            <a:buNone/>
+          </a:pPr>
+          <a:r>
+            <a:rPr lang="en-US" sz="1400" b="1" kern="1200" dirty="0"/>
+            <a:t>- Focus on companies where public info is scarce.</a:t>
+          </a:r>
+        </a:p>
+        <a:p>
+          <a:pPr marL="0" lvl="0" indent="0" algn="l" defTabSz="622300">
+            <a:lnSpc>
+              <a:spcPct val="100000"/>
+            </a:lnSpc>
+            <a:spcBef>
+              <a:spcPct val="0"/>
+            </a:spcBef>
+            <a:spcAft>
+              <a:spcPct val="35000"/>
+            </a:spcAft>
+            <a:buNone/>
+          </a:pPr>
+          <a:r>
+            <a:rPr lang="en-US" sz="1400" b="1" kern="1200" dirty="0"/>
+            <a:t>- Generate richer insights into ownership, governance, and investor influence.</a:t>
+          </a:r>
+        </a:p>
+        <a:p>
+          <a:pPr marL="0" lvl="0" indent="0" algn="l" defTabSz="622300">
+            <a:lnSpc>
+              <a:spcPct val="100000"/>
+            </a:lnSpc>
+            <a:spcBef>
+              <a:spcPct val="0"/>
+            </a:spcBef>
+            <a:spcAft>
+              <a:spcPct val="35000"/>
+            </a:spcAft>
+            <a:buFont typeface="+mj-lt"/>
+            <a:buNone/>
+          </a:pPr>
+          <a:endParaRPr lang="en-US" sz="1400" kern="1200" dirty="0"/>
         </a:p>
       </dsp:txBody>
       <dsp:txXfrm>
-        <a:off x="6594106" y="2394686"/>
-        <a:ext cx="2963839" cy="1257386"/>
+        <a:off x="7317401" y="2837354"/>
+        <a:ext cx="3202826" cy="1358774"/>
       </dsp:txXfrm>
     </dsp:sp>
   </dsp:spTree>
@@ -13989,7 +14147,7 @@
           <a:p>
             <a:fld id="{3435E48E-BB21-4BF6-899D-F5179CD48B1B}" type="datetimeFigureOut">
               <a:rPr lang="en-US" smtClean="0"/>
-              <a:t>8/21/2025</a:t>
+              <a:t>8/22/2025</a:t>
             </a:fld>
             <a:endParaRPr lang="en-US"/>
           </a:p>
@@ -14240,7 +14398,7 @@
           <a:p>
             <a:fld id="{3435E48E-BB21-4BF6-899D-F5179CD48B1B}" type="datetimeFigureOut">
               <a:rPr lang="en-US" smtClean="0"/>
-              <a:t>8/21/2025</a:t>
+              <a:t>8/22/2025</a:t>
             </a:fld>
             <a:endParaRPr lang="en-US"/>
           </a:p>
@@ -14554,7 +14712,7 @@
           <a:p>
             <a:fld id="{3435E48E-BB21-4BF6-899D-F5179CD48B1B}" type="datetimeFigureOut">
               <a:rPr lang="en-US" smtClean="0"/>
-              <a:t>8/21/2025</a:t>
+              <a:t>8/22/2025</a:t>
             </a:fld>
             <a:endParaRPr lang="en-US"/>
           </a:p>
@@ -14895,7 +15053,7 @@
           <a:p>
             <a:fld id="{3435E48E-BB21-4BF6-899D-F5179CD48B1B}" type="datetimeFigureOut">
               <a:rPr lang="en-US" smtClean="0"/>
-              <a:t>8/21/2025</a:t>
+              <a:t>8/22/2025</a:t>
             </a:fld>
             <a:endParaRPr lang="en-US"/>
           </a:p>
@@ -15209,7 +15367,7 @@
           <a:p>
             <a:fld id="{3435E48E-BB21-4BF6-899D-F5179CD48B1B}" type="datetimeFigureOut">
               <a:rPr lang="en-US" smtClean="0"/>
-              <a:t>8/21/2025</a:t>
+              <a:t>8/22/2025</a:t>
             </a:fld>
             <a:endParaRPr lang="en-US"/>
           </a:p>
@@ -15602,7 +15760,7 @@
           <a:p>
             <a:fld id="{3435E48E-BB21-4BF6-899D-F5179CD48B1B}" type="datetimeFigureOut">
               <a:rPr lang="en-US" smtClean="0"/>
-              <a:t>8/21/2025</a:t>
+              <a:t>8/22/2025</a:t>
             </a:fld>
             <a:endParaRPr lang="en-US"/>
           </a:p>
@@ -15772,7 +15930,7 @@
           <a:p>
             <a:fld id="{3435E48E-BB21-4BF6-899D-F5179CD48B1B}" type="datetimeFigureOut">
               <a:rPr lang="en-US" smtClean="0"/>
-              <a:t>8/21/2025</a:t>
+              <a:t>8/22/2025</a:t>
             </a:fld>
             <a:endParaRPr lang="en-US"/>
           </a:p>
@@ -15952,7 +16110,7 @@
           <a:p>
             <a:fld id="{3435E48E-BB21-4BF6-899D-F5179CD48B1B}" type="datetimeFigureOut">
               <a:rPr lang="en-US" smtClean="0"/>
-              <a:t>8/21/2025</a:t>
+              <a:t>8/22/2025</a:t>
             </a:fld>
             <a:endParaRPr lang="en-US"/>
           </a:p>
@@ -16128,7 +16286,7 @@
           <a:p>
             <a:fld id="{3435E48E-BB21-4BF6-899D-F5179CD48B1B}" type="datetimeFigureOut">
               <a:rPr lang="en-US" smtClean="0"/>
-              <a:t>8/21/2025</a:t>
+              <a:t>8/22/2025</a:t>
             </a:fld>
             <a:endParaRPr lang="en-US"/>
           </a:p>
@@ -16375,7 +16533,7 @@
           <a:p>
             <a:fld id="{3435E48E-BB21-4BF6-899D-F5179CD48B1B}" type="datetimeFigureOut">
               <a:rPr lang="en-US" smtClean="0"/>
-              <a:t>8/21/2025</a:t>
+              <a:t>8/22/2025</a:t>
             </a:fld>
             <a:endParaRPr lang="en-US"/>
           </a:p>
@@ -16607,7 +16765,7 @@
           <a:p>
             <a:fld id="{3435E48E-BB21-4BF6-899D-F5179CD48B1B}" type="datetimeFigureOut">
               <a:rPr lang="en-US" smtClean="0"/>
-              <a:t>8/21/2025</a:t>
+              <a:t>8/22/2025</a:t>
             </a:fld>
             <a:endParaRPr lang="en-US"/>
           </a:p>
@@ -16981,7 +17139,7 @@
           <a:p>
             <a:fld id="{3435E48E-BB21-4BF6-899D-F5179CD48B1B}" type="datetimeFigureOut">
               <a:rPr lang="en-US" smtClean="0"/>
-              <a:t>8/21/2025</a:t>
+              <a:t>8/22/2025</a:t>
             </a:fld>
             <a:endParaRPr lang="en-US"/>
           </a:p>
@@ -17104,7 +17262,7 @@
           <a:p>
             <a:fld id="{3435E48E-BB21-4BF6-899D-F5179CD48B1B}" type="datetimeFigureOut">
               <a:rPr lang="en-US" smtClean="0"/>
-              <a:t>8/21/2025</a:t>
+              <a:t>8/22/2025</a:t>
             </a:fld>
             <a:endParaRPr lang="en-US"/>
           </a:p>
@@ -17199,7 +17357,7 @@
           <a:p>
             <a:fld id="{3435E48E-BB21-4BF6-899D-F5179CD48B1B}" type="datetimeFigureOut">
               <a:rPr lang="en-US" smtClean="0"/>
-              <a:t>8/21/2025</a:t>
+              <a:t>8/22/2025</a:t>
             </a:fld>
             <a:endParaRPr lang="en-US"/>
           </a:p>
@@ -17454,7 +17612,7 @@
           <a:p>
             <a:fld id="{3435E48E-BB21-4BF6-899D-F5179CD48B1B}" type="datetimeFigureOut">
               <a:rPr lang="en-US" smtClean="0"/>
-              <a:t>8/21/2025</a:t>
+              <a:t>8/22/2025</a:t>
             </a:fld>
             <a:endParaRPr lang="en-US"/>
           </a:p>
@@ -17717,7 +17875,7 @@
           <a:p>
             <a:fld id="{3435E48E-BB21-4BF6-899D-F5179CD48B1B}" type="datetimeFigureOut">
               <a:rPr lang="en-US" smtClean="0"/>
-              <a:t>8/21/2025</a:t>
+              <a:t>8/22/2025</a:t>
             </a:fld>
             <a:endParaRPr lang="en-US"/>
           </a:p>
@@ -18460,7 +18618,7 @@
           <a:p>
             <a:fld id="{3435E48E-BB21-4BF6-899D-F5179CD48B1B}" type="datetimeFigureOut">
               <a:rPr lang="en-US" smtClean="0"/>
-              <a:t>8/21/2025</a:t>
+              <a:t>8/22/2025</a:t>
             </a:fld>
             <a:endParaRPr lang="en-US"/>
           </a:p>
@@ -20977,14 +21135,14 @@
             <p:ph idx="1"/>
             <p:extLst>
               <p:ext uri="{D42A27DB-BD31-4B8C-83A1-F6EECF244321}">
-                <p14:modId xmlns:p14="http://schemas.microsoft.com/office/powerpoint/2010/main" val="1408960320"/>
+                <p14:modId xmlns:p14="http://schemas.microsoft.com/office/powerpoint/2010/main" val="3731413780"/>
               </p:ext>
             </p:extLst>
           </p:nvPr>
         </p:nvGraphicFramePr>
         <p:xfrm>
-          <a:off x="1286933" y="1948543"/>
-          <a:ext cx="9618133" cy="4093482"/>
+          <a:off x="923827" y="1536569"/>
+          <a:ext cx="10197494" cy="4505456"/>
         </p:xfrm>
         <a:graphic>
           <a:graphicData uri="http://schemas.openxmlformats.org/drawingml/2006/diagram">
@@ -25114,9 +25272,10 @@
           <a:lstStyle/>
           <a:p>
             <a:r>
-              <a:rPr lang="en-US" dirty="0"/>
+              <a:rPr lang="en-US"/>
               <a:t>Next Steps</a:t>
             </a:r>
+            <a:endParaRPr lang="en-US" dirty="0"/>
           </a:p>
         </p:txBody>
       </p:sp>
@@ -25266,14 +25425,14 @@
             <p:ph idx="1"/>
             <p:extLst>
               <p:ext uri="{D42A27DB-BD31-4B8C-83A1-F6EECF244321}">
-                <p14:modId xmlns:p14="http://schemas.microsoft.com/office/powerpoint/2010/main" val="762687298"/>
+                <p14:modId xmlns:p14="http://schemas.microsoft.com/office/powerpoint/2010/main" val="1790896442"/>
               </p:ext>
             </p:extLst>
           </p:nvPr>
         </p:nvGraphicFramePr>
         <p:xfrm>
-          <a:off x="1286933" y="1948543"/>
-          <a:ext cx="9618133" cy="4093482"/>
+          <a:off x="707573" y="1191846"/>
+          <a:ext cx="10776854" cy="4850179"/>
         </p:xfrm>
         <a:graphic>
           <a:graphicData uri="http://schemas.openxmlformats.org/drawingml/2006/diagram">

--- a/docs/Approach to Analyzing Founder Ownership in PropTech Companies.pptx
+++ b/docs/Approach to Analyzing Founder Ownership in PropTech Companies.pptx
@@ -4688,7 +4688,7 @@
 <dgm:dataModel xmlns:dgm="http://schemas.openxmlformats.org/drawingml/2006/diagram" xmlns:a="http://schemas.openxmlformats.org/drawingml/2006/main">
   <dgm:ptLst>
     <dgm:pt modelId="{B9C05AED-BEFB-47E3-8D91-5A9C984690D0}" type="doc">
-      <dgm:prSet loTypeId="urn:microsoft.com/office/officeart/2005/8/layout/process4" loCatId="process" qsTypeId="urn:microsoft.com/office/officeart/2005/8/quickstyle/simple1" qsCatId="simple" csTypeId="urn:microsoft.com/office/officeart/2005/8/colors/colorful1" csCatId="colorful"/>
+      <dgm:prSet loTypeId="urn:microsoft.com/office/officeart/2005/8/layout/process4" loCatId="process" qsTypeId="urn:microsoft.com/office/officeart/2005/8/quickstyle/simple1" qsCatId="simple" csTypeId="urn:microsoft.com/office/officeart/2005/8/colors/colorful1" csCatId="colorful" phldr="1"/>
       <dgm:spPr/>
       <dgm:t>
         <a:bodyPr/>
@@ -4751,14 +4751,14 @@
         <a:lstStyle/>
         <a:p>
           <a:r>
-            <a:rPr lang="en-US" b="1" i="0" baseline="0"/>
-            <a:t>+2</a:t>
+            <a:rPr lang="en-US" b="1" i="0" baseline="0" dirty="0"/>
+            <a:t>+3</a:t>
           </a:r>
           <a:r>
-            <a:rPr lang="en-US" b="0" i="0" baseline="0"/>
+            <a:rPr lang="en-US" b="0" i="0" baseline="0" dirty="0"/>
             <a:t>: Founder-owned</a:t>
           </a:r>
-          <a:endParaRPr lang="en-US"/>
+          <a:endParaRPr lang="en-US" dirty="0"/>
         </a:p>
       </dgm:t>
     </dgm:pt>
@@ -4792,14 +4792,14 @@
         <a:lstStyle/>
         <a:p>
           <a:r>
-            <a:rPr lang="en-US" b="1" i="0" baseline="0"/>
-            <a:t>+1</a:t>
+            <a:rPr lang="en-US" b="1" i="0" baseline="0" dirty="0"/>
+            <a:t>+2</a:t>
           </a:r>
           <a:r>
-            <a:rPr lang="en-US" b="0" i="0" baseline="0"/>
+            <a:rPr lang="en-US" b="0" i="0" baseline="0" dirty="0"/>
             <a:t>: Founder on management team</a:t>
           </a:r>
-          <a:endParaRPr lang="en-US"/>
+          <a:endParaRPr lang="en-US" dirty="0"/>
         </a:p>
       </dgm:t>
     </dgm:pt>
@@ -4833,14 +4833,14 @@
         <a:lstStyle/>
         <a:p>
           <a:r>
-            <a:rPr lang="en-US" b="1" i="0" baseline="0"/>
+            <a:rPr lang="en-US" b="1" i="0" baseline="0" dirty="0"/>
             <a:t>+1</a:t>
           </a:r>
           <a:r>
-            <a:rPr lang="en-US" b="0" i="0" baseline="0"/>
-            <a:t>: Not majority acquired</a:t>
+            <a:rPr lang="en-US" b="0" i="0" baseline="0" dirty="0"/>
+            <a:t>: Founder on Board</a:t>
           </a:r>
-          <a:endParaRPr lang="en-US"/>
+          <a:endParaRPr lang="en-US" dirty="0"/>
         </a:p>
       </dgm:t>
     </dgm:pt>
@@ -4915,10 +4915,10 @@
         <a:lstStyle/>
         <a:p>
           <a:r>
-            <a:rPr lang="en-US" b="0" i="0" baseline="0"/>
-            <a:t>High (3+ points)</a:t>
+            <a:rPr lang="en-US" b="0" i="0" baseline="0" dirty="0"/>
+            <a:t>High (5+ points)</a:t>
           </a:r>
-          <a:endParaRPr lang="en-US"/>
+          <a:endParaRPr lang="en-US" dirty="0"/>
         </a:p>
       </dgm:t>
     </dgm:pt>
@@ -4952,10 +4952,10 @@
         <a:lstStyle/>
         <a:p>
           <a:r>
-            <a:rPr lang="en-US" b="0" i="0" baseline="0"/>
-            <a:t>Medium (2 points)</a:t>
+            <a:rPr lang="en-US" b="0" i="0" baseline="0" dirty="0"/>
+            <a:t>Medium (3+ points)</a:t>
           </a:r>
-          <a:endParaRPr lang="en-US"/>
+          <a:endParaRPr lang="en-US" dirty="0"/>
         </a:p>
       </dgm:t>
     </dgm:pt>
@@ -4990,7 +4990,7 @@
         <a:p>
           <a:r>
             <a:rPr lang="en-US" b="0" i="0" baseline="0"/>
-            <a:t>Low (≤1 point)</a:t>
+            <a:t>Low (&lt;3 points)</a:t>
           </a:r>
           <a:endParaRPr lang="en-US"/>
         </a:p>
@@ -5138,7 +5138,7 @@
       <dgm:spPr/>
     </dgm:pt>
     <dgm:pt modelId="{CA75502B-DFBE-4E00-9F90-D34A25BA821D}" type="pres">
-      <dgm:prSet presAssocID="{0DF6922A-1796-4F71-AF81-8F5ECFF91E79}" presName="childTextArrow" presStyleLbl="fgAccFollowNode1" presStyleIdx="3" presStyleCnt="6">
+      <dgm:prSet presAssocID="{0DF6922A-1796-4F71-AF81-8F5ECFF91E79}" presName="childTextArrow" presStyleLbl="fgAccFollowNode1" presStyleIdx="3" presStyleCnt="6" custScaleX="22288" custLinFactNeighborX="-14795" custLinFactNeighborY="-5137">
         <dgm:presLayoutVars>
           <dgm:bulletEnabled val="1"/>
         </dgm:presLayoutVars>
@@ -5146,7 +5146,7 @@
       <dgm:spPr/>
     </dgm:pt>
     <dgm:pt modelId="{20E1D49C-A38D-4958-A83B-4FDD3ADF82AA}" type="pres">
-      <dgm:prSet presAssocID="{2B14DE3F-50A9-46EC-9EA4-6A117BB3E326}" presName="childTextArrow" presStyleLbl="fgAccFollowNode1" presStyleIdx="4" presStyleCnt="6">
+      <dgm:prSet presAssocID="{2B14DE3F-50A9-46EC-9EA4-6A117BB3E326}" presName="childTextArrow" presStyleLbl="fgAccFollowNode1" presStyleIdx="4" presStyleCnt="6" custScaleX="26770" custLinFactNeighborX="-11908" custLinFactNeighborY="-3110">
         <dgm:presLayoutVars>
           <dgm:bulletEnabled val="1"/>
         </dgm:presLayoutVars>
@@ -5154,7 +5154,7 @@
       <dgm:spPr/>
     </dgm:pt>
     <dgm:pt modelId="{F0BEE4D6-35C7-435A-A904-424C1FF93D16}" type="pres">
-      <dgm:prSet presAssocID="{493C059A-C22F-4496-A2BF-FCC10742ED7E}" presName="childTextArrow" presStyleLbl="fgAccFollowNode1" presStyleIdx="5" presStyleCnt="6">
+      <dgm:prSet presAssocID="{493C059A-C22F-4496-A2BF-FCC10742ED7E}" presName="childTextArrow" presStyleLbl="fgAccFollowNode1" presStyleIdx="5" presStyleCnt="6" custScaleX="26647" custLinFactNeighborX="-11749" custLinFactNeighborY="-1248">
         <dgm:presLayoutVars>
           <dgm:bulletEnabled val="1"/>
         </dgm:presLayoutVars>
@@ -7016,10 +7016,10 @@
             <a:buNone/>
           </a:pPr>
           <a:r>
-            <a:rPr lang="en-US" sz="1500" b="0" i="0" kern="1200" baseline="0"/>
-            <a:t>High (3+ points)</a:t>
+            <a:rPr lang="en-US" sz="1500" b="0" i="0" kern="1200" baseline="0" dirty="0"/>
+            <a:t>High (5+ points)</a:t>
           </a:r>
-          <a:endParaRPr lang="en-US" sz="1500" kern="1200"/>
+          <a:endParaRPr lang="en-US" sz="1500" kern="1200" dirty="0"/>
         </a:p>
       </dsp:txBody>
       <dsp:txXfrm>
@@ -7096,10 +7096,10 @@
             <a:buNone/>
           </a:pPr>
           <a:r>
-            <a:rPr lang="en-US" sz="1500" b="0" i="0" kern="1200" baseline="0"/>
-            <a:t>Medium (2 points)</a:t>
+            <a:rPr lang="en-US" sz="1500" b="0" i="0" kern="1200" baseline="0" dirty="0"/>
+            <a:t>Medium (3+ points)</a:t>
           </a:r>
-          <a:endParaRPr lang="en-US" sz="1500" kern="1200"/>
+          <a:endParaRPr lang="en-US" sz="1500" kern="1200" dirty="0"/>
         </a:p>
       </dsp:txBody>
       <dsp:txXfrm>
@@ -7177,7 +7177,7 @@
           </a:pPr>
           <a:r>
             <a:rPr lang="en-US" sz="1500" b="0" i="0" kern="1200" baseline="0"/>
-            <a:t>Low (≤1 point)</a:t>
+            <a:t>Low (&lt;3 points)</a:t>
           </a:r>
           <a:endParaRPr lang="en-US" sz="1500" kern="1200"/>
         </a:p>
@@ -7280,8 +7280,8 @@
       </dsp:nvSpPr>
       <dsp:spPr>
         <a:xfrm>
-          <a:off x="4696" y="546703"/>
-          <a:ext cx="3202913" cy="465094"/>
+          <a:off x="0" y="522811"/>
+          <a:ext cx="2143689" cy="465094"/>
         </a:xfrm>
         <a:prstGeom prst="rect">
           <a:avLst/>
@@ -7342,19 +7342,19 @@
             <a:buNone/>
           </a:pPr>
           <a:r>
-            <a:rPr lang="en-US" sz="1500" b="1" i="0" kern="1200" baseline="0"/>
-            <a:t>+2</a:t>
+            <a:rPr lang="en-US" sz="1500" b="1" i="0" kern="1200" baseline="0" dirty="0"/>
+            <a:t>+3</a:t>
           </a:r>
           <a:r>
-            <a:rPr lang="en-US" sz="1500" b="0" i="0" kern="1200" baseline="0"/>
+            <a:rPr lang="en-US" sz="1500" b="0" i="0" kern="1200" baseline="0" dirty="0"/>
             <a:t>: Founder-owned</a:t>
           </a:r>
-          <a:endParaRPr lang="en-US" sz="1500" kern="1200"/>
+          <a:endParaRPr lang="en-US" sz="1500" kern="1200" dirty="0"/>
         </a:p>
       </dsp:txBody>
       <dsp:txXfrm>
-        <a:off x="4696" y="546703"/>
-        <a:ext cx="3202913" cy="465094"/>
+        <a:off x="0" y="522811"/>
+        <a:ext cx="2143689" cy="465094"/>
       </dsp:txXfrm>
     </dsp:sp>
     <dsp:sp modelId="{20E1D49C-A38D-4958-A83B-4FDD3ADF82AA}">
@@ -7364,8 +7364,8 @@
       </dsp:nvSpPr>
       <dsp:spPr>
         <a:xfrm>
-          <a:off x="3207609" y="546703"/>
-          <a:ext cx="3202913" cy="465094"/>
+          <a:off x="2166724" y="532239"/>
+          <a:ext cx="2574774" cy="465094"/>
         </a:xfrm>
         <a:prstGeom prst="rect">
           <a:avLst/>
@@ -7426,19 +7426,19 @@
             <a:buNone/>
           </a:pPr>
           <a:r>
-            <a:rPr lang="en-US" sz="1500" b="1" i="0" kern="1200" baseline="0"/>
-            <a:t>+1</a:t>
+            <a:rPr lang="en-US" sz="1500" b="1" i="0" kern="1200" baseline="0" dirty="0"/>
+            <a:t>+2</a:t>
           </a:r>
           <a:r>
-            <a:rPr lang="en-US" sz="1500" b="0" i="0" kern="1200" baseline="0"/>
+            <a:rPr lang="en-US" sz="1500" b="0" i="0" kern="1200" baseline="0" dirty="0"/>
             <a:t>: Founder on management team</a:t>
           </a:r>
-          <a:endParaRPr lang="en-US" sz="1500" kern="1200"/>
+          <a:endParaRPr lang="en-US" sz="1500" kern="1200" dirty="0"/>
         </a:p>
       </dsp:txBody>
       <dsp:txXfrm>
-        <a:off x="3207609" y="546703"/>
-        <a:ext cx="3202913" cy="465094"/>
+        <a:off x="2166724" y="532239"/>
+        <a:ext cx="2574774" cy="465094"/>
       </dsp:txXfrm>
     </dsp:sp>
     <dsp:sp modelId="{F0BEE4D6-35C7-435A-A904-424C1FF93D16}">
@@ -7448,8 +7448,8 @@
       </dsp:nvSpPr>
       <dsp:spPr>
         <a:xfrm>
-          <a:off x="6410523" y="546703"/>
-          <a:ext cx="3202913" cy="465094"/>
+          <a:off x="4756791" y="540899"/>
+          <a:ext cx="2562943" cy="465094"/>
         </a:xfrm>
         <a:prstGeom prst="rect">
           <a:avLst/>
@@ -7510,19 +7510,19 @@
             <a:buNone/>
           </a:pPr>
           <a:r>
-            <a:rPr lang="en-US" sz="1500" b="1" i="0" kern="1200" baseline="0"/>
+            <a:rPr lang="en-US" sz="1500" b="1" i="0" kern="1200" baseline="0" dirty="0"/>
             <a:t>+1</a:t>
           </a:r>
           <a:r>
-            <a:rPr lang="en-US" sz="1500" b="0" i="0" kern="1200" baseline="0"/>
-            <a:t>: Not majority acquired</a:t>
+            <a:rPr lang="en-US" sz="1500" b="0" i="0" kern="1200" baseline="0" dirty="0"/>
+            <a:t>: Founder on Board</a:t>
           </a:r>
-          <a:endParaRPr lang="en-US" sz="1500" kern="1200"/>
+          <a:endParaRPr lang="en-US" sz="1500" kern="1200" dirty="0"/>
         </a:p>
       </dsp:txBody>
       <dsp:txXfrm>
-        <a:off x="6410523" y="546703"/>
-        <a:ext cx="3202913" cy="465094"/>
+        <a:off x="4756791" y="540899"/>
+        <a:ext cx="2562943" cy="465094"/>
       </dsp:txXfrm>
     </dsp:sp>
   </dsp:spTree>
@@ -14147,7 +14147,7 @@
           <a:p>
             <a:fld id="{3435E48E-BB21-4BF6-899D-F5179CD48B1B}" type="datetimeFigureOut">
               <a:rPr lang="en-US" smtClean="0"/>
-              <a:t>8/22/2025</a:t>
+              <a:t>8/24/2025</a:t>
             </a:fld>
             <a:endParaRPr lang="en-US"/>
           </a:p>
@@ -14398,7 +14398,7 @@
           <a:p>
             <a:fld id="{3435E48E-BB21-4BF6-899D-F5179CD48B1B}" type="datetimeFigureOut">
               <a:rPr lang="en-US" smtClean="0"/>
-              <a:t>8/22/2025</a:t>
+              <a:t>8/24/2025</a:t>
             </a:fld>
             <a:endParaRPr lang="en-US"/>
           </a:p>
@@ -14712,7 +14712,7 @@
           <a:p>
             <a:fld id="{3435E48E-BB21-4BF6-899D-F5179CD48B1B}" type="datetimeFigureOut">
               <a:rPr lang="en-US" smtClean="0"/>
-              <a:t>8/22/2025</a:t>
+              <a:t>8/24/2025</a:t>
             </a:fld>
             <a:endParaRPr lang="en-US"/>
           </a:p>
@@ -15053,7 +15053,7 @@
           <a:p>
             <a:fld id="{3435E48E-BB21-4BF6-899D-F5179CD48B1B}" type="datetimeFigureOut">
               <a:rPr lang="en-US" smtClean="0"/>
-              <a:t>8/22/2025</a:t>
+              <a:t>8/24/2025</a:t>
             </a:fld>
             <a:endParaRPr lang="en-US"/>
           </a:p>
@@ -15367,7 +15367,7 @@
           <a:p>
             <a:fld id="{3435E48E-BB21-4BF6-899D-F5179CD48B1B}" type="datetimeFigureOut">
               <a:rPr lang="en-US" smtClean="0"/>
-              <a:t>8/22/2025</a:t>
+              <a:t>8/24/2025</a:t>
             </a:fld>
             <a:endParaRPr lang="en-US"/>
           </a:p>
@@ -15760,7 +15760,7 @@
           <a:p>
             <a:fld id="{3435E48E-BB21-4BF6-899D-F5179CD48B1B}" type="datetimeFigureOut">
               <a:rPr lang="en-US" smtClean="0"/>
-              <a:t>8/22/2025</a:t>
+              <a:t>8/24/2025</a:t>
             </a:fld>
             <a:endParaRPr lang="en-US"/>
           </a:p>
@@ -15930,7 +15930,7 @@
           <a:p>
             <a:fld id="{3435E48E-BB21-4BF6-899D-F5179CD48B1B}" type="datetimeFigureOut">
               <a:rPr lang="en-US" smtClean="0"/>
-              <a:t>8/22/2025</a:t>
+              <a:t>8/24/2025</a:t>
             </a:fld>
             <a:endParaRPr lang="en-US"/>
           </a:p>
@@ -16110,7 +16110,7 @@
           <a:p>
             <a:fld id="{3435E48E-BB21-4BF6-899D-F5179CD48B1B}" type="datetimeFigureOut">
               <a:rPr lang="en-US" smtClean="0"/>
-              <a:t>8/22/2025</a:t>
+              <a:t>8/24/2025</a:t>
             </a:fld>
             <a:endParaRPr lang="en-US"/>
           </a:p>
@@ -16286,7 +16286,7 @@
           <a:p>
             <a:fld id="{3435E48E-BB21-4BF6-899D-F5179CD48B1B}" type="datetimeFigureOut">
               <a:rPr lang="en-US" smtClean="0"/>
-              <a:t>8/22/2025</a:t>
+              <a:t>8/24/2025</a:t>
             </a:fld>
             <a:endParaRPr lang="en-US"/>
           </a:p>
@@ -16533,7 +16533,7 @@
           <a:p>
             <a:fld id="{3435E48E-BB21-4BF6-899D-F5179CD48B1B}" type="datetimeFigureOut">
               <a:rPr lang="en-US" smtClean="0"/>
-              <a:t>8/22/2025</a:t>
+              <a:t>8/24/2025</a:t>
             </a:fld>
             <a:endParaRPr lang="en-US"/>
           </a:p>
@@ -16765,7 +16765,7 @@
           <a:p>
             <a:fld id="{3435E48E-BB21-4BF6-899D-F5179CD48B1B}" type="datetimeFigureOut">
               <a:rPr lang="en-US" smtClean="0"/>
-              <a:t>8/22/2025</a:t>
+              <a:t>8/24/2025</a:t>
             </a:fld>
             <a:endParaRPr lang="en-US"/>
           </a:p>
@@ -17139,7 +17139,7 @@
           <a:p>
             <a:fld id="{3435E48E-BB21-4BF6-899D-F5179CD48B1B}" type="datetimeFigureOut">
               <a:rPr lang="en-US" smtClean="0"/>
-              <a:t>8/22/2025</a:t>
+              <a:t>8/24/2025</a:t>
             </a:fld>
             <a:endParaRPr lang="en-US"/>
           </a:p>
@@ -17262,7 +17262,7 @@
           <a:p>
             <a:fld id="{3435E48E-BB21-4BF6-899D-F5179CD48B1B}" type="datetimeFigureOut">
               <a:rPr lang="en-US" smtClean="0"/>
-              <a:t>8/22/2025</a:t>
+              <a:t>8/24/2025</a:t>
             </a:fld>
             <a:endParaRPr lang="en-US"/>
           </a:p>
@@ -17357,7 +17357,7 @@
           <a:p>
             <a:fld id="{3435E48E-BB21-4BF6-899D-F5179CD48B1B}" type="datetimeFigureOut">
               <a:rPr lang="en-US" smtClean="0"/>
-              <a:t>8/22/2025</a:t>
+              <a:t>8/24/2025</a:t>
             </a:fld>
             <a:endParaRPr lang="en-US"/>
           </a:p>
@@ -17612,7 +17612,7 @@
           <a:p>
             <a:fld id="{3435E48E-BB21-4BF6-899D-F5179CD48B1B}" type="datetimeFigureOut">
               <a:rPr lang="en-US" smtClean="0"/>
-              <a:t>8/22/2025</a:t>
+              <a:t>8/24/2025</a:t>
             </a:fld>
             <a:endParaRPr lang="en-US"/>
           </a:p>
@@ -17875,7 +17875,7 @@
           <a:p>
             <a:fld id="{3435E48E-BB21-4BF6-899D-F5179CD48B1B}" type="datetimeFigureOut">
               <a:rPr lang="en-US" smtClean="0"/>
-              <a:t>8/22/2025</a:t>
+              <a:t>8/24/2025</a:t>
             </a:fld>
             <a:endParaRPr lang="en-US"/>
           </a:p>
@@ -18618,7 +18618,7 @@
           <a:p>
             <a:fld id="{3435E48E-BB21-4BF6-899D-F5179CD48B1B}" type="datetimeFigureOut">
               <a:rPr lang="en-US" smtClean="0"/>
-              <a:t>8/22/2025</a:t>
+              <a:t>8/24/2025</a:t>
             </a:fld>
             <a:endParaRPr lang="en-US"/>
           </a:p>
@@ -23932,7 +23932,7 @@
             <p:ph idx="1"/>
             <p:extLst>
               <p:ext uri="{D42A27DB-BD31-4B8C-83A1-F6EECF244321}">
-                <p14:modId xmlns:p14="http://schemas.microsoft.com/office/powerpoint/2010/main" val="1494283348"/>
+                <p14:modId xmlns:p14="http://schemas.microsoft.com/office/powerpoint/2010/main" val="995173207"/>
               </p:ext>
             </p:extLst>
           </p:nvPr>
@@ -23947,6 +23947,166 @@
           </a:graphicData>
         </a:graphic>
       </p:graphicFrame>
+      <p:grpSp>
+        <p:nvGrpSpPr>
+          <p:cNvPr id="3" name="Group 2">
+            <a:extLst>
+              <a:ext uri="{FF2B5EF4-FFF2-40B4-BE49-F238E27FC236}">
+                <a16:creationId xmlns:a16="http://schemas.microsoft.com/office/drawing/2014/main" id="{A024DA99-6DB8-099A-C968-0880EDACE07D}"/>
+              </a:ext>
+            </a:extLst>
+          </p:cNvPr>
+          <p:cNvGrpSpPr/>
+          <p:nvPr/>
+        </p:nvGrpSpPr>
+        <p:grpSpPr>
+          <a:xfrm>
+            <a:off x="8634953" y="2486827"/>
+            <a:ext cx="2270113" cy="467711"/>
+            <a:chOff x="5274398" y="518426"/>
+            <a:chExt cx="2270113" cy="465094"/>
+          </a:xfrm>
+        </p:grpSpPr>
+        <p:sp>
+          <p:nvSpPr>
+            <p:cNvPr id="4" name="Rectangle 3">
+              <a:extLst>
+                <a:ext uri="{FF2B5EF4-FFF2-40B4-BE49-F238E27FC236}">
+                  <a16:creationId xmlns:a16="http://schemas.microsoft.com/office/drawing/2014/main" id="{C5878685-6D8C-328B-F192-FEFCD374779D}"/>
+                </a:ext>
+              </a:extLst>
+            </p:cNvPr>
+            <p:cNvSpPr/>
+            <p:nvPr/>
+          </p:nvSpPr>
+          <p:spPr>
+            <a:xfrm>
+              <a:off x="5274398" y="518426"/>
+              <a:ext cx="2270113" cy="465094"/>
+            </a:xfrm>
+            <a:prstGeom prst="rect">
+              <a:avLst/>
+            </a:prstGeom>
+          </p:spPr>
+          <p:style>
+            <a:lnRef idx="2">
+              <a:schemeClr val="accent2">
+                <a:tint val="40000"/>
+                <a:alpha val="90000"/>
+                <a:hueOff val="0"/>
+                <a:satOff val="0"/>
+                <a:lumOff val="0"/>
+                <a:alphaOff val="0"/>
+              </a:schemeClr>
+            </a:lnRef>
+            <a:fillRef idx="1">
+              <a:schemeClr val="accent2">
+                <a:tint val="40000"/>
+                <a:alpha val="90000"/>
+                <a:hueOff val="0"/>
+                <a:satOff val="0"/>
+                <a:lumOff val="0"/>
+                <a:alphaOff val="0"/>
+              </a:schemeClr>
+            </a:fillRef>
+            <a:effectRef idx="0">
+              <a:schemeClr val="accent2">
+                <a:tint val="40000"/>
+                <a:alpha val="90000"/>
+                <a:hueOff val="0"/>
+                <a:satOff val="0"/>
+                <a:lumOff val="0"/>
+                <a:alphaOff val="0"/>
+              </a:schemeClr>
+            </a:effectRef>
+            <a:fontRef idx="minor">
+              <a:schemeClr val="dk1">
+                <a:hueOff val="0"/>
+                <a:satOff val="0"/>
+                <a:lumOff val="0"/>
+                <a:alphaOff val="0"/>
+              </a:schemeClr>
+            </a:fontRef>
+          </p:style>
+          <p:txBody>
+            <a:bodyPr/>
+            <a:lstStyle/>
+            <a:p>
+              <a:endParaRPr lang="en-US"/>
+            </a:p>
+          </p:txBody>
+        </p:sp>
+        <p:sp>
+          <p:nvSpPr>
+            <p:cNvPr id="5" name="TextBox 4">
+              <a:extLst>
+                <a:ext uri="{FF2B5EF4-FFF2-40B4-BE49-F238E27FC236}">
+                  <a16:creationId xmlns:a16="http://schemas.microsoft.com/office/drawing/2014/main" id="{37B5ED6B-B656-114F-4CAA-5A75FCFE6017}"/>
+                </a:ext>
+              </a:extLst>
+            </p:cNvPr>
+            <p:cNvSpPr txBox="1"/>
+            <p:nvPr/>
+          </p:nvSpPr>
+          <p:spPr>
+            <a:xfrm>
+              <a:off x="5274398" y="518426"/>
+              <a:ext cx="2147565" cy="465094"/>
+            </a:xfrm>
+            <a:prstGeom prst="rect">
+              <a:avLst/>
+            </a:prstGeom>
+          </p:spPr>
+          <p:style>
+            <a:lnRef idx="0">
+              <a:scrgbClr r="0" g="0" b="0"/>
+            </a:lnRef>
+            <a:fillRef idx="0">
+              <a:scrgbClr r="0" g="0" b="0"/>
+            </a:fillRef>
+            <a:effectRef idx="0">
+              <a:scrgbClr r="0" g="0" b="0"/>
+            </a:effectRef>
+            <a:fontRef idx="minor">
+              <a:schemeClr val="dk1">
+                <a:hueOff val="0"/>
+                <a:satOff val="0"/>
+                <a:lumOff val="0"/>
+                <a:alphaOff val="0"/>
+              </a:schemeClr>
+            </a:fontRef>
+          </p:style>
+          <p:txBody>
+            <a:bodyPr spcFirstLastPara="0" vert="horz" wrap="square" lIns="106680" tIns="19050" rIns="106680" bIns="19050" numCol="1" spcCol="1270" anchor="ctr" anchorCtr="0">
+              <a:noAutofit/>
+            </a:bodyPr>
+            <a:lstStyle/>
+            <a:p>
+              <a:pPr marL="0" lvl="0" indent="0" algn="ctr" defTabSz="666750">
+                <a:lnSpc>
+                  <a:spcPct val="90000"/>
+                </a:lnSpc>
+                <a:spcBef>
+                  <a:spcPct val="0"/>
+                </a:spcBef>
+                <a:spcAft>
+                  <a:spcPct val="35000"/>
+                </a:spcAft>
+                <a:buNone/>
+              </a:pPr>
+              <a:r>
+                <a:rPr lang="en-US" sz="1500" b="1" i="0" kern="1200" baseline="0" dirty="0"/>
+                <a:t>+1</a:t>
+              </a:r>
+              <a:r>
+                <a:rPr lang="en-US" sz="1500" b="0" i="0" kern="1200" baseline="0" dirty="0"/>
+                <a:t>: Not majority acquired</a:t>
+              </a:r>
+              <a:endParaRPr lang="en-US" sz="1500" kern="1200" dirty="0"/>
+            </a:p>
+          </p:txBody>
+        </p:sp>
+      </p:grpSp>
     </p:spTree>
     <p:extLst>
       <p:ext uri="{BB962C8B-B14F-4D97-AF65-F5344CB8AC3E}">
